--- a/cluster_course/powerpoint/3_basic_UNIX.pptx
+++ b/cluster_course/powerpoint/3_basic_UNIX.pptx
@@ -274,7 +274,7 @@
           <a:p>
             <a:fld id="{1E855DFA-625E-4F2B-9A42-1E05F98E1771}" type="datetimeFigureOut">
               <a:rPr lang="en-GB" smtClean="0"/>
-              <a:t>23/11/2018</a:t>
+              <a:t>28/10/2019</a:t>
             </a:fld>
             <a:endParaRPr lang="en-GB"/>
           </a:p>
@@ -474,7 +474,7 @@
           <a:p>
             <a:fld id="{1E855DFA-625E-4F2B-9A42-1E05F98E1771}" type="datetimeFigureOut">
               <a:rPr lang="en-GB" smtClean="0"/>
-              <a:t>23/11/2018</a:t>
+              <a:t>28/10/2019</a:t>
             </a:fld>
             <a:endParaRPr lang="en-GB"/>
           </a:p>
@@ -684,7 +684,7 @@
           <a:p>
             <a:fld id="{1E855DFA-625E-4F2B-9A42-1E05F98E1771}" type="datetimeFigureOut">
               <a:rPr lang="en-GB" smtClean="0"/>
-              <a:t>23/11/2018</a:t>
+              <a:t>28/10/2019</a:t>
             </a:fld>
             <a:endParaRPr lang="en-GB"/>
           </a:p>
@@ -884,7 +884,7 @@
           <a:p>
             <a:fld id="{1E855DFA-625E-4F2B-9A42-1E05F98E1771}" type="datetimeFigureOut">
               <a:rPr lang="en-GB" smtClean="0"/>
-              <a:t>23/11/2018</a:t>
+              <a:t>28/10/2019</a:t>
             </a:fld>
             <a:endParaRPr lang="en-GB"/>
           </a:p>
@@ -1160,7 +1160,7 @@
           <a:p>
             <a:fld id="{1E855DFA-625E-4F2B-9A42-1E05F98E1771}" type="datetimeFigureOut">
               <a:rPr lang="en-GB" smtClean="0"/>
-              <a:t>23/11/2018</a:t>
+              <a:t>28/10/2019</a:t>
             </a:fld>
             <a:endParaRPr lang="en-GB"/>
           </a:p>
@@ -1428,7 +1428,7 @@
           <a:p>
             <a:fld id="{1E855DFA-625E-4F2B-9A42-1E05F98E1771}" type="datetimeFigureOut">
               <a:rPr lang="en-GB" smtClean="0"/>
-              <a:t>23/11/2018</a:t>
+              <a:t>28/10/2019</a:t>
             </a:fld>
             <a:endParaRPr lang="en-GB"/>
           </a:p>
@@ -1843,7 +1843,7 @@
           <a:p>
             <a:fld id="{1E855DFA-625E-4F2B-9A42-1E05F98E1771}" type="datetimeFigureOut">
               <a:rPr lang="en-GB" smtClean="0"/>
-              <a:t>23/11/2018</a:t>
+              <a:t>28/10/2019</a:t>
             </a:fld>
             <a:endParaRPr lang="en-GB"/>
           </a:p>
@@ -1985,7 +1985,7 @@
           <a:p>
             <a:fld id="{1E855DFA-625E-4F2B-9A42-1E05F98E1771}" type="datetimeFigureOut">
               <a:rPr lang="en-GB" smtClean="0"/>
-              <a:t>23/11/2018</a:t>
+              <a:t>28/10/2019</a:t>
             </a:fld>
             <a:endParaRPr lang="en-GB"/>
           </a:p>
@@ -2098,7 +2098,7 @@
           <a:p>
             <a:fld id="{1E855DFA-625E-4F2B-9A42-1E05F98E1771}" type="datetimeFigureOut">
               <a:rPr lang="en-GB" smtClean="0"/>
-              <a:t>23/11/2018</a:t>
+              <a:t>28/10/2019</a:t>
             </a:fld>
             <a:endParaRPr lang="en-GB"/>
           </a:p>
@@ -2411,7 +2411,7 @@
           <a:p>
             <a:fld id="{1E855DFA-625E-4F2B-9A42-1E05F98E1771}" type="datetimeFigureOut">
               <a:rPr lang="en-GB" smtClean="0"/>
-              <a:t>23/11/2018</a:t>
+              <a:t>28/10/2019</a:t>
             </a:fld>
             <a:endParaRPr lang="en-GB"/>
           </a:p>
@@ -2700,7 +2700,7 @@
           <a:p>
             <a:fld id="{1E855DFA-625E-4F2B-9A42-1E05F98E1771}" type="datetimeFigureOut">
               <a:rPr lang="en-GB" smtClean="0"/>
-              <a:t>23/11/2018</a:t>
+              <a:t>28/10/2019</a:t>
             </a:fld>
             <a:endParaRPr lang="en-GB"/>
           </a:p>
@@ -2943,7 +2943,7 @@
           <a:p>
             <a:fld id="{1E855DFA-625E-4F2B-9A42-1E05F98E1771}" type="datetimeFigureOut">
               <a:rPr lang="en-GB" smtClean="0"/>
-              <a:t>23/11/2018</a:t>
+              <a:t>28/10/2019</a:t>
             </a:fld>
             <a:endParaRPr lang="en-GB"/>
           </a:p>
@@ -3784,7 +3784,7 @@
           <a:p>
             <a:r>
               <a:rPr lang="en-GB" dirty="0"/>
-              <a:t>The output of commands can be passed to another:</a:t>
+              <a:t>The output of commands can be piped to another:</a:t>
             </a:r>
           </a:p>
           <a:p>
@@ -4446,7 +4446,7 @@
           <a:p>
             <a:r>
               <a:rPr lang="en-GB" dirty="0"/>
-              <a:t>Change of characters in Microsoft office products. </a:t>
+              <a:t>Change of characters in Microsoft Office products. </a:t>
             </a:r>
           </a:p>
           <a:p>
@@ -6388,7 +6388,7 @@
             </a:pPr>
             <a:r>
               <a:rPr lang="en-GB" dirty="0"/>
-              <a:t>Lets copy the training files to your home directory:</a:t>
+              <a:t>Lets copy the training files to your home directory (no spaces in paths):</a:t>
             </a:r>
           </a:p>
           <a:p>
@@ -6483,7 +6483,11 @@
               <a:t>Change directory in </a:t>
             </a:r>
             <a:r>
-              <a:rPr lang="en-GB" dirty="0" err="1"/>
+              <a:rPr lang="en-GB" dirty="0" err="1">
+                <a:solidFill>
+                  <a:srgbClr val="0070C0"/>
+                </a:solidFill>
+              </a:rPr>
               <a:t>ngs</a:t>
             </a:r>
             <a:r>
@@ -6816,7 +6820,7 @@
         </p:spPr>
         <p:txBody>
           <a:bodyPr>
-            <a:normAutofit/>
+            <a:normAutofit lnSpcReduction="10000"/>
           </a:bodyPr>
           <a:lstStyle/>
           <a:p>
@@ -6963,7 +6967,7 @@
             </a:r>
             <a:r>
               <a:rPr lang="en-GB" dirty="0"/>
-              <a:t>folder (double click in the left file browser window). (TIP: if you don’t see the files, press refresh)</a:t>
+              <a:t>folder (double click in the left file browser window). (TIP: if you don’t see the files, press refresh or F5)</a:t>
             </a:r>
           </a:p>
           <a:p>
@@ -7429,13 +7433,13 @@
             </a:r>
             <a:r>
               <a:rPr lang="en-GB" dirty="0"/>
-              <a:t>, then the spelling so far in wrong, it is not in the directory you are looking at, or there are multiple options. </a:t>
-            </a:r>
-          </a:p>
-          <a:p>
-            <a:r>
-              <a:rPr lang="en-GB" dirty="0"/>
-              <a:t>Press the tab key twice to see the options…. </a:t>
+              <a:t>, then the spelling is wrong, it is not in the directory you are looking at, or there are multiple other reasons. </a:t>
+            </a:r>
+          </a:p>
+          <a:p>
+            <a:r>
+              <a:rPr lang="en-GB" dirty="0"/>
+              <a:t>Press the tab key twice to see all the possible options…. </a:t>
             </a:r>
           </a:p>
         </p:txBody>

--- a/cluster_course/powerpoint/3_basic_UNIX.pptx
+++ b/cluster_course/powerpoint/3_basic_UNIX.pptx
@@ -9,16 +9,17 @@
     <p:sldId id="264" r:id="rId3"/>
     <p:sldId id="335" r:id="rId4"/>
     <p:sldId id="316" r:id="rId5"/>
-    <p:sldId id="330" r:id="rId6"/>
-    <p:sldId id="265" r:id="rId7"/>
-    <p:sldId id="336" r:id="rId8"/>
-    <p:sldId id="332" r:id="rId9"/>
-    <p:sldId id="333" r:id="rId10"/>
-    <p:sldId id="334" r:id="rId11"/>
-    <p:sldId id="306" r:id="rId12"/>
-    <p:sldId id="266" r:id="rId13"/>
-    <p:sldId id="267" r:id="rId14"/>
-    <p:sldId id="331" r:id="rId15"/>
+    <p:sldId id="337" r:id="rId6"/>
+    <p:sldId id="330" r:id="rId7"/>
+    <p:sldId id="265" r:id="rId8"/>
+    <p:sldId id="336" r:id="rId9"/>
+    <p:sldId id="332" r:id="rId10"/>
+    <p:sldId id="333" r:id="rId11"/>
+    <p:sldId id="334" r:id="rId12"/>
+    <p:sldId id="306" r:id="rId13"/>
+    <p:sldId id="266" r:id="rId14"/>
+    <p:sldId id="267" r:id="rId15"/>
+    <p:sldId id="331" r:id="rId16"/>
   </p:sldIdLst>
   <p:sldSz cx="12192000" cy="6858000"/>
   <p:notesSz cx="6858000" cy="9144000"/>
@@ -274,7 +275,7 @@
           <a:p>
             <a:fld id="{1E855DFA-625E-4F2B-9A42-1E05F98E1771}" type="datetimeFigureOut">
               <a:rPr lang="en-GB" smtClean="0"/>
-              <a:t>28/10/2019</a:t>
+              <a:t>30/10/2019</a:t>
             </a:fld>
             <a:endParaRPr lang="en-GB"/>
           </a:p>
@@ -474,7 +475,7 @@
           <a:p>
             <a:fld id="{1E855DFA-625E-4F2B-9A42-1E05F98E1771}" type="datetimeFigureOut">
               <a:rPr lang="en-GB" smtClean="0"/>
-              <a:t>28/10/2019</a:t>
+              <a:t>30/10/2019</a:t>
             </a:fld>
             <a:endParaRPr lang="en-GB"/>
           </a:p>
@@ -684,7 +685,7 @@
           <a:p>
             <a:fld id="{1E855DFA-625E-4F2B-9A42-1E05F98E1771}" type="datetimeFigureOut">
               <a:rPr lang="en-GB" smtClean="0"/>
-              <a:t>28/10/2019</a:t>
+              <a:t>30/10/2019</a:t>
             </a:fld>
             <a:endParaRPr lang="en-GB"/>
           </a:p>
@@ -884,7 +885,7 @@
           <a:p>
             <a:fld id="{1E855DFA-625E-4F2B-9A42-1E05F98E1771}" type="datetimeFigureOut">
               <a:rPr lang="en-GB" smtClean="0"/>
-              <a:t>28/10/2019</a:t>
+              <a:t>30/10/2019</a:t>
             </a:fld>
             <a:endParaRPr lang="en-GB"/>
           </a:p>
@@ -1160,7 +1161,7 @@
           <a:p>
             <a:fld id="{1E855DFA-625E-4F2B-9A42-1E05F98E1771}" type="datetimeFigureOut">
               <a:rPr lang="en-GB" smtClean="0"/>
-              <a:t>28/10/2019</a:t>
+              <a:t>30/10/2019</a:t>
             </a:fld>
             <a:endParaRPr lang="en-GB"/>
           </a:p>
@@ -1428,7 +1429,7 @@
           <a:p>
             <a:fld id="{1E855DFA-625E-4F2B-9A42-1E05F98E1771}" type="datetimeFigureOut">
               <a:rPr lang="en-GB" smtClean="0"/>
-              <a:t>28/10/2019</a:t>
+              <a:t>30/10/2019</a:t>
             </a:fld>
             <a:endParaRPr lang="en-GB"/>
           </a:p>
@@ -1843,7 +1844,7 @@
           <a:p>
             <a:fld id="{1E855DFA-625E-4F2B-9A42-1E05F98E1771}" type="datetimeFigureOut">
               <a:rPr lang="en-GB" smtClean="0"/>
-              <a:t>28/10/2019</a:t>
+              <a:t>30/10/2019</a:t>
             </a:fld>
             <a:endParaRPr lang="en-GB"/>
           </a:p>
@@ -1985,7 +1986,7 @@
           <a:p>
             <a:fld id="{1E855DFA-625E-4F2B-9A42-1E05F98E1771}" type="datetimeFigureOut">
               <a:rPr lang="en-GB" smtClean="0"/>
-              <a:t>28/10/2019</a:t>
+              <a:t>30/10/2019</a:t>
             </a:fld>
             <a:endParaRPr lang="en-GB"/>
           </a:p>
@@ -2098,7 +2099,7 @@
           <a:p>
             <a:fld id="{1E855DFA-625E-4F2B-9A42-1E05F98E1771}" type="datetimeFigureOut">
               <a:rPr lang="en-GB" smtClean="0"/>
-              <a:t>28/10/2019</a:t>
+              <a:t>30/10/2019</a:t>
             </a:fld>
             <a:endParaRPr lang="en-GB"/>
           </a:p>
@@ -2411,7 +2412,7 @@
           <a:p>
             <a:fld id="{1E855DFA-625E-4F2B-9A42-1E05F98E1771}" type="datetimeFigureOut">
               <a:rPr lang="en-GB" smtClean="0"/>
-              <a:t>28/10/2019</a:t>
+              <a:t>30/10/2019</a:t>
             </a:fld>
             <a:endParaRPr lang="en-GB"/>
           </a:p>
@@ -2700,7 +2701,7 @@
           <a:p>
             <a:fld id="{1E855DFA-625E-4F2B-9A42-1E05F98E1771}" type="datetimeFigureOut">
               <a:rPr lang="en-GB" smtClean="0"/>
-              <a:t>28/10/2019</a:t>
+              <a:t>30/10/2019</a:t>
             </a:fld>
             <a:endParaRPr lang="en-GB"/>
           </a:p>
@@ -2943,7 +2944,7 @@
           <a:p>
             <a:fld id="{1E855DFA-625E-4F2B-9A42-1E05F98E1771}" type="datetimeFigureOut">
               <a:rPr lang="en-GB" smtClean="0"/>
-              <a:t>28/10/2019</a:t>
+              <a:t>30/10/2019</a:t>
             </a:fld>
             <a:endParaRPr lang="en-GB"/>
           </a:p>
@@ -3421,7 +3422,7 @@
           <a:p>
             <a:r>
               <a:rPr lang="en-GB" dirty="0"/>
-              <a:t>Don’t worry, it is a lot to learn. Remember you can always look them up!!</a:t>
+              <a:t>Don’t worry, it is a lot to learn (you wont remember them!)…. you can always look them up!!</a:t>
             </a:r>
           </a:p>
         </p:txBody>
@@ -3489,7 +3490,7 @@
                   <a:srgbClr val="7030A0"/>
                 </a:solidFill>
               </a:rPr>
-              <a:t>3) Basic UNIX: pipes</a:t>
+              <a:t>3) Basic UNIX: copy and paste</a:t>
             </a:r>
           </a:p>
         </p:txBody>
@@ -3526,6 +3527,75 @@
             <a:r>
               <a:rPr lang="en-GB" dirty="0"/>
               <a:t> </a:t>
+            </a:r>
+          </a:p>
+          <a:p>
+            <a:r>
+              <a:rPr lang="en-GB" dirty="0"/>
+              <a:t>Every program is slightly different.</a:t>
+            </a:r>
+          </a:p>
+          <a:p>
+            <a:r>
+              <a:rPr lang="en-GB" dirty="0"/>
+              <a:t>.. But if you </a:t>
+            </a:r>
+            <a:r>
+              <a:rPr lang="en-GB" dirty="0">
+                <a:solidFill>
+                  <a:srgbClr val="FF0000"/>
+                </a:solidFill>
+              </a:rPr>
+              <a:t>highlight it</a:t>
+            </a:r>
+            <a:r>
+              <a:rPr lang="en-GB" dirty="0"/>
+              <a:t>. Then it is automatically </a:t>
+            </a:r>
+            <a:r>
+              <a:rPr lang="en-GB" dirty="0">
+                <a:solidFill>
+                  <a:srgbClr val="FF0000"/>
+                </a:solidFill>
+              </a:rPr>
+              <a:t>copied to your clipboard</a:t>
+            </a:r>
+            <a:r>
+              <a:rPr lang="en-GB" dirty="0"/>
+              <a:t>.</a:t>
+            </a:r>
+          </a:p>
+          <a:p>
+            <a:r>
+              <a:rPr lang="en-GB" dirty="0"/>
+              <a:t>This is super useful. </a:t>
+            </a:r>
+          </a:p>
+          <a:p>
+            <a:r>
+              <a:rPr lang="en-GB" dirty="0"/>
+              <a:t>To </a:t>
+            </a:r>
+            <a:r>
+              <a:rPr lang="en-GB" dirty="0">
+                <a:solidFill>
+                  <a:srgbClr val="FF0000"/>
+                </a:solidFill>
+              </a:rPr>
+              <a:t>paste</a:t>
+            </a:r>
+            <a:r>
+              <a:rPr lang="en-GB" dirty="0"/>
+              <a:t> (one of the following): centre mouse button, right click, right click and select paste (depends on the program you are using).</a:t>
+            </a:r>
+          </a:p>
+          <a:p>
+            <a:endParaRPr lang="en-GB" dirty="0"/>
+          </a:p>
+          <a:p>
+            <a:r>
+              <a:rPr lang="en-GB" dirty="0"/>
+              <a:t>Windows command line is horrible for this, and for that reason I would not use it. </a:t>
             </a:r>
           </a:p>
         </p:txBody>
@@ -3580,269 +3650,10 @@
           </a:p>
         </p:txBody>
       </p:sp>
-      <p:sp>
-        <p:nvSpPr>
-          <p:cNvPr id="5" name="Content Placeholder 2">
-            <a:extLst>
-              <a:ext uri="{FF2B5EF4-FFF2-40B4-BE49-F238E27FC236}">
-                <a16:creationId xmlns:a16="http://schemas.microsoft.com/office/drawing/2014/main" id="{7E4A19D3-27B2-4B5C-BF70-AAE3E270AF3F}"/>
-              </a:ext>
-            </a:extLst>
-          </p:cNvPr>
-          <p:cNvSpPr txBox="1">
-            <a:spLocks/>
-          </p:cNvSpPr>
-          <p:nvPr/>
-        </p:nvSpPr>
-        <p:spPr>
-          <a:xfrm>
-            <a:off x="311150" y="698020"/>
-            <a:ext cx="10941050" cy="4351338"/>
-          </a:xfrm>
-          <a:prstGeom prst="rect">
-            <a:avLst/>
-          </a:prstGeom>
-        </p:spPr>
-        <p:txBody>
-          <a:bodyPr vert="horz" lIns="91440" tIns="45720" rIns="91440" bIns="45720" rtlCol="0">
-            <a:normAutofit/>
-          </a:bodyPr>
-          <a:lstStyle>
-            <a:lvl1pPr marL="228600" indent="-228600" algn="l" defTabSz="914400" rtl="0" eaLnBrk="1" latinLnBrk="0" hangingPunct="1">
-              <a:lnSpc>
-                <a:spcPct val="90000"/>
-              </a:lnSpc>
-              <a:spcBef>
-                <a:spcPts val="1000"/>
-              </a:spcBef>
-              <a:buFont typeface="Arial" panose="020B0604020202020204" pitchFamily="34" charset="0"/>
-              <a:buChar char="•"/>
-              <a:defRPr sz="2800" kern="1200">
-                <a:solidFill>
-                  <a:schemeClr val="tx1"/>
-                </a:solidFill>
-                <a:latin typeface="+mn-lt"/>
-                <a:ea typeface="+mn-ea"/>
-                <a:cs typeface="+mn-cs"/>
-              </a:defRPr>
-            </a:lvl1pPr>
-            <a:lvl2pPr marL="685800" indent="-228600" algn="l" defTabSz="914400" rtl="0" eaLnBrk="1" latinLnBrk="0" hangingPunct="1">
-              <a:lnSpc>
-                <a:spcPct val="90000"/>
-              </a:lnSpc>
-              <a:spcBef>
-                <a:spcPts val="500"/>
-              </a:spcBef>
-              <a:buFont typeface="Arial" panose="020B0604020202020204" pitchFamily="34" charset="0"/>
-              <a:buChar char="•"/>
-              <a:defRPr sz="2400" kern="1200">
-                <a:solidFill>
-                  <a:schemeClr val="tx1"/>
-                </a:solidFill>
-                <a:latin typeface="+mn-lt"/>
-                <a:ea typeface="+mn-ea"/>
-                <a:cs typeface="+mn-cs"/>
-              </a:defRPr>
-            </a:lvl2pPr>
-            <a:lvl3pPr marL="1143000" indent="-228600" algn="l" defTabSz="914400" rtl="0" eaLnBrk="1" latinLnBrk="0" hangingPunct="1">
-              <a:lnSpc>
-                <a:spcPct val="90000"/>
-              </a:lnSpc>
-              <a:spcBef>
-                <a:spcPts val="500"/>
-              </a:spcBef>
-              <a:buFont typeface="Arial" panose="020B0604020202020204" pitchFamily="34" charset="0"/>
-              <a:buChar char="•"/>
-              <a:defRPr sz="2000" kern="1200">
-                <a:solidFill>
-                  <a:schemeClr val="tx1"/>
-                </a:solidFill>
-                <a:latin typeface="+mn-lt"/>
-                <a:ea typeface="+mn-ea"/>
-                <a:cs typeface="+mn-cs"/>
-              </a:defRPr>
-            </a:lvl3pPr>
-            <a:lvl4pPr marL="1600200" indent="-228600" algn="l" defTabSz="914400" rtl="0" eaLnBrk="1" latinLnBrk="0" hangingPunct="1">
-              <a:lnSpc>
-                <a:spcPct val="90000"/>
-              </a:lnSpc>
-              <a:spcBef>
-                <a:spcPts val="500"/>
-              </a:spcBef>
-              <a:buFont typeface="Arial" panose="020B0604020202020204" pitchFamily="34" charset="0"/>
-              <a:buChar char="•"/>
-              <a:defRPr sz="1800" kern="1200">
-                <a:solidFill>
-                  <a:schemeClr val="tx1"/>
-                </a:solidFill>
-                <a:latin typeface="+mn-lt"/>
-                <a:ea typeface="+mn-ea"/>
-                <a:cs typeface="+mn-cs"/>
-              </a:defRPr>
-            </a:lvl4pPr>
-            <a:lvl5pPr marL="2057400" indent="-228600" algn="l" defTabSz="914400" rtl="0" eaLnBrk="1" latinLnBrk="0" hangingPunct="1">
-              <a:lnSpc>
-                <a:spcPct val="90000"/>
-              </a:lnSpc>
-              <a:spcBef>
-                <a:spcPts val="500"/>
-              </a:spcBef>
-              <a:buFont typeface="Arial" panose="020B0604020202020204" pitchFamily="34" charset="0"/>
-              <a:buChar char="•"/>
-              <a:defRPr sz="1800" kern="1200">
-                <a:solidFill>
-                  <a:schemeClr val="tx1"/>
-                </a:solidFill>
-                <a:latin typeface="+mn-lt"/>
-                <a:ea typeface="+mn-ea"/>
-                <a:cs typeface="+mn-cs"/>
-              </a:defRPr>
-            </a:lvl5pPr>
-            <a:lvl6pPr marL="2514600" indent="-228600" algn="l" defTabSz="914400" rtl="0" eaLnBrk="1" latinLnBrk="0" hangingPunct="1">
-              <a:lnSpc>
-                <a:spcPct val="90000"/>
-              </a:lnSpc>
-              <a:spcBef>
-                <a:spcPts val="500"/>
-              </a:spcBef>
-              <a:buFont typeface="Arial" panose="020B0604020202020204" pitchFamily="34" charset="0"/>
-              <a:buChar char="•"/>
-              <a:defRPr sz="1800" kern="1200">
-                <a:solidFill>
-                  <a:schemeClr val="tx1"/>
-                </a:solidFill>
-                <a:latin typeface="+mn-lt"/>
-                <a:ea typeface="+mn-ea"/>
-                <a:cs typeface="+mn-cs"/>
-              </a:defRPr>
-            </a:lvl6pPr>
-            <a:lvl7pPr marL="2971800" indent="-228600" algn="l" defTabSz="914400" rtl="0" eaLnBrk="1" latinLnBrk="0" hangingPunct="1">
-              <a:lnSpc>
-                <a:spcPct val="90000"/>
-              </a:lnSpc>
-              <a:spcBef>
-                <a:spcPts val="500"/>
-              </a:spcBef>
-              <a:buFont typeface="Arial" panose="020B0604020202020204" pitchFamily="34" charset="0"/>
-              <a:buChar char="•"/>
-              <a:defRPr sz="1800" kern="1200">
-                <a:solidFill>
-                  <a:schemeClr val="tx1"/>
-                </a:solidFill>
-                <a:latin typeface="+mn-lt"/>
-                <a:ea typeface="+mn-ea"/>
-                <a:cs typeface="+mn-cs"/>
-              </a:defRPr>
-            </a:lvl7pPr>
-            <a:lvl8pPr marL="3429000" indent="-228600" algn="l" defTabSz="914400" rtl="0" eaLnBrk="1" latinLnBrk="0" hangingPunct="1">
-              <a:lnSpc>
-                <a:spcPct val="90000"/>
-              </a:lnSpc>
-              <a:spcBef>
-                <a:spcPts val="500"/>
-              </a:spcBef>
-              <a:buFont typeface="Arial" panose="020B0604020202020204" pitchFamily="34" charset="0"/>
-              <a:buChar char="•"/>
-              <a:defRPr sz="1800" kern="1200">
-                <a:solidFill>
-                  <a:schemeClr val="tx1"/>
-                </a:solidFill>
-                <a:latin typeface="+mn-lt"/>
-                <a:ea typeface="+mn-ea"/>
-                <a:cs typeface="+mn-cs"/>
-              </a:defRPr>
-            </a:lvl8pPr>
-            <a:lvl9pPr marL="3886200" indent="-228600" algn="l" defTabSz="914400" rtl="0" eaLnBrk="1" latinLnBrk="0" hangingPunct="1">
-              <a:lnSpc>
-                <a:spcPct val="90000"/>
-              </a:lnSpc>
-              <a:spcBef>
-                <a:spcPts val="500"/>
-              </a:spcBef>
-              <a:buFont typeface="Arial" panose="020B0604020202020204" pitchFamily="34" charset="0"/>
-              <a:buChar char="•"/>
-              <a:defRPr sz="1800" kern="1200">
-                <a:solidFill>
-                  <a:schemeClr val="tx1"/>
-                </a:solidFill>
-                <a:latin typeface="+mn-lt"/>
-                <a:ea typeface="+mn-ea"/>
-                <a:cs typeface="+mn-cs"/>
-              </a:defRPr>
-            </a:lvl9pPr>
-          </a:lstStyle>
-          <a:p>
-            <a:pPr marL="0" indent="0">
-              <a:buFont typeface="Arial" panose="020B0604020202020204" pitchFamily="34" charset="0"/>
-              <a:buNone/>
-            </a:pPr>
-            <a:r>
-              <a:rPr lang="en-GB" dirty="0"/>
-              <a:t> </a:t>
-            </a:r>
-          </a:p>
-          <a:p>
-            <a:r>
-              <a:rPr lang="en-GB" dirty="0"/>
-              <a:t>The output of commands can be piped to another:</a:t>
-            </a:r>
-          </a:p>
-          <a:p>
-            <a:pPr marL="0" indent="0">
-              <a:buNone/>
-            </a:pPr>
-            <a:r>
-              <a:rPr lang="en-GB" dirty="0">
-                <a:solidFill>
-                  <a:srgbClr val="0070C0"/>
-                </a:solidFill>
-              </a:rPr>
-              <a:t>ls </a:t>
-            </a:r>
-            <a:r>
-              <a:rPr lang="en-GB" dirty="0"/>
-              <a:t>   (what is in the directory)</a:t>
-            </a:r>
-          </a:p>
-          <a:p>
-            <a:pPr marL="0" indent="0">
-              <a:buNone/>
-            </a:pPr>
-            <a:r>
-              <a:rPr lang="en-GB" dirty="0">
-                <a:solidFill>
-                  <a:srgbClr val="0070C0"/>
-                </a:solidFill>
-              </a:rPr>
-              <a:t>ls | </a:t>
-            </a:r>
-            <a:r>
-              <a:rPr lang="en-GB" dirty="0" err="1">
-                <a:solidFill>
-                  <a:srgbClr val="0070C0"/>
-                </a:solidFill>
-              </a:rPr>
-              <a:t>wc</a:t>
-            </a:r>
-            <a:r>
-              <a:rPr lang="en-GB" dirty="0">
-                <a:solidFill>
-                  <a:srgbClr val="0070C0"/>
-                </a:solidFill>
-              </a:rPr>
-              <a:t> -l   </a:t>
-            </a:r>
-            <a:r>
-              <a:rPr lang="en-GB" dirty="0"/>
-              <a:t>(… pass this to word count)</a:t>
-            </a:r>
-          </a:p>
-        </p:txBody>
-      </p:sp>
     </p:spTree>
     <p:extLst>
       <p:ext uri="{BB962C8B-B14F-4D97-AF65-F5344CB8AC3E}">
-        <p14:creationId xmlns:p14="http://schemas.microsoft.com/office/powerpoint/2010/main" val="2201691890"/>
+        <p14:creationId xmlns:p14="http://schemas.microsoft.com/office/powerpoint/2010/main" val="1856511964"/>
       </p:ext>
     </p:extLst>
   </p:cSld>
@@ -3874,6 +3685,419 @@
           <p:cNvPr id="2" name="Title 1">
             <a:extLst>
               <a:ext uri="{FF2B5EF4-FFF2-40B4-BE49-F238E27FC236}">
+                <a16:creationId xmlns:a16="http://schemas.microsoft.com/office/drawing/2014/main" id="{1536064C-7C83-4153-B524-093E5CE385D2}"/>
+              </a:ext>
+            </a:extLst>
+          </p:cNvPr>
+          <p:cNvSpPr>
+            <a:spLocks noGrp="1"/>
+          </p:cNvSpPr>
+          <p:nvPr>
+            <p:ph type="title"/>
+          </p:nvPr>
+        </p:nvSpPr>
+        <p:spPr>
+          <a:xfrm>
+            <a:off x="371475" y="-217995"/>
+            <a:ext cx="10515600" cy="1325563"/>
+          </a:xfrm>
+        </p:spPr>
+        <p:txBody>
+          <a:bodyPr/>
+          <a:lstStyle/>
+          <a:p>
+            <a:pPr algn="ctr"/>
+            <a:r>
+              <a:rPr lang="en-GB" dirty="0">
+                <a:solidFill>
+                  <a:srgbClr val="7030A0"/>
+                </a:solidFill>
+              </a:rPr>
+              <a:t>3) Basic UNIX: pipes</a:t>
+            </a:r>
+          </a:p>
+        </p:txBody>
+      </p:sp>
+      <p:sp>
+        <p:nvSpPr>
+          <p:cNvPr id="3" name="Content Placeholder 2">
+            <a:extLst>
+              <a:ext uri="{FF2B5EF4-FFF2-40B4-BE49-F238E27FC236}">
+                <a16:creationId xmlns:a16="http://schemas.microsoft.com/office/drawing/2014/main" id="{FD6D57D2-A71D-429F-8277-8464BDFC79B9}"/>
+              </a:ext>
+            </a:extLst>
+          </p:cNvPr>
+          <p:cNvSpPr>
+            <a:spLocks noGrp="1"/>
+          </p:cNvSpPr>
+          <p:nvPr>
+            <p:ph idx="1"/>
+          </p:nvPr>
+        </p:nvSpPr>
+        <p:spPr>
+          <a:xfrm>
+            <a:off x="158750" y="545620"/>
+            <a:ext cx="10941050" cy="4351338"/>
+          </a:xfrm>
+        </p:spPr>
+        <p:txBody>
+          <a:bodyPr/>
+          <a:lstStyle/>
+          <a:p>
+            <a:pPr marL="0" indent="0">
+              <a:buNone/>
+            </a:pPr>
+            <a:r>
+              <a:rPr lang="en-GB" dirty="0"/>
+              <a:t> </a:t>
+            </a:r>
+          </a:p>
+        </p:txBody>
+      </p:sp>
+      <p:sp>
+        <p:nvSpPr>
+          <p:cNvPr id="4" name="TextBox 3">
+            <a:extLst>
+              <a:ext uri="{FF2B5EF4-FFF2-40B4-BE49-F238E27FC236}">
+                <a16:creationId xmlns:a16="http://schemas.microsoft.com/office/drawing/2014/main" id="{8E0A8CDC-443E-40C5-BE29-795B9D435904}"/>
+              </a:ext>
+            </a:extLst>
+          </p:cNvPr>
+          <p:cNvSpPr txBox="1"/>
+          <p:nvPr/>
+        </p:nvSpPr>
+        <p:spPr>
+          <a:xfrm>
+            <a:off x="10350500" y="0"/>
+            <a:ext cx="1841500" cy="584775"/>
+          </a:xfrm>
+          <a:prstGeom prst="rect">
+            <a:avLst/>
+          </a:prstGeom>
+          <a:noFill/>
+        </p:spPr>
+        <p:txBody>
+          <a:bodyPr wrap="square" rtlCol="0">
+            <a:spAutoFit/>
+          </a:bodyPr>
+          <a:lstStyle/>
+          <a:p>
+            <a:r>
+              <a:rPr lang="en-GB" sz="3200" dirty="0">
+                <a:solidFill>
+                  <a:srgbClr val="FF0000"/>
+                </a:solidFill>
+                <a:highlight>
+                  <a:srgbClr val="FFFF00"/>
+                </a:highlight>
+              </a:rPr>
+              <a:t>ACTIVITY</a:t>
+            </a:r>
+            <a:endParaRPr lang="en-GB" sz="2800" dirty="0">
+              <a:solidFill>
+                <a:srgbClr val="FF0000"/>
+              </a:solidFill>
+              <a:highlight>
+                <a:srgbClr val="FFFF00"/>
+              </a:highlight>
+            </a:endParaRPr>
+          </a:p>
+        </p:txBody>
+      </p:sp>
+      <p:sp>
+        <p:nvSpPr>
+          <p:cNvPr id="5" name="Content Placeholder 2">
+            <a:extLst>
+              <a:ext uri="{FF2B5EF4-FFF2-40B4-BE49-F238E27FC236}">
+                <a16:creationId xmlns:a16="http://schemas.microsoft.com/office/drawing/2014/main" id="{7E4A19D3-27B2-4B5C-BF70-AAE3E270AF3F}"/>
+              </a:ext>
+            </a:extLst>
+          </p:cNvPr>
+          <p:cNvSpPr txBox="1">
+            <a:spLocks/>
+          </p:cNvSpPr>
+          <p:nvPr/>
+        </p:nvSpPr>
+        <p:spPr>
+          <a:xfrm>
+            <a:off x="311150" y="698020"/>
+            <a:ext cx="10941050" cy="4351338"/>
+          </a:xfrm>
+          <a:prstGeom prst="rect">
+            <a:avLst/>
+          </a:prstGeom>
+        </p:spPr>
+        <p:txBody>
+          <a:bodyPr vert="horz" lIns="91440" tIns="45720" rIns="91440" bIns="45720" rtlCol="0">
+            <a:normAutofit/>
+          </a:bodyPr>
+          <a:lstStyle>
+            <a:lvl1pPr marL="228600" indent="-228600" algn="l" defTabSz="914400" rtl="0" eaLnBrk="1" latinLnBrk="0" hangingPunct="1">
+              <a:lnSpc>
+                <a:spcPct val="90000"/>
+              </a:lnSpc>
+              <a:spcBef>
+                <a:spcPts val="1000"/>
+              </a:spcBef>
+              <a:buFont typeface="Arial" panose="020B0604020202020204" pitchFamily="34" charset="0"/>
+              <a:buChar char="•"/>
+              <a:defRPr sz="2800" kern="1200">
+                <a:solidFill>
+                  <a:schemeClr val="tx1"/>
+                </a:solidFill>
+                <a:latin typeface="+mn-lt"/>
+                <a:ea typeface="+mn-ea"/>
+                <a:cs typeface="+mn-cs"/>
+              </a:defRPr>
+            </a:lvl1pPr>
+            <a:lvl2pPr marL="685800" indent="-228600" algn="l" defTabSz="914400" rtl="0" eaLnBrk="1" latinLnBrk="0" hangingPunct="1">
+              <a:lnSpc>
+                <a:spcPct val="90000"/>
+              </a:lnSpc>
+              <a:spcBef>
+                <a:spcPts val="500"/>
+              </a:spcBef>
+              <a:buFont typeface="Arial" panose="020B0604020202020204" pitchFamily="34" charset="0"/>
+              <a:buChar char="•"/>
+              <a:defRPr sz="2400" kern="1200">
+                <a:solidFill>
+                  <a:schemeClr val="tx1"/>
+                </a:solidFill>
+                <a:latin typeface="+mn-lt"/>
+                <a:ea typeface="+mn-ea"/>
+                <a:cs typeface="+mn-cs"/>
+              </a:defRPr>
+            </a:lvl2pPr>
+            <a:lvl3pPr marL="1143000" indent="-228600" algn="l" defTabSz="914400" rtl="0" eaLnBrk="1" latinLnBrk="0" hangingPunct="1">
+              <a:lnSpc>
+                <a:spcPct val="90000"/>
+              </a:lnSpc>
+              <a:spcBef>
+                <a:spcPts val="500"/>
+              </a:spcBef>
+              <a:buFont typeface="Arial" panose="020B0604020202020204" pitchFamily="34" charset="0"/>
+              <a:buChar char="•"/>
+              <a:defRPr sz="2000" kern="1200">
+                <a:solidFill>
+                  <a:schemeClr val="tx1"/>
+                </a:solidFill>
+                <a:latin typeface="+mn-lt"/>
+                <a:ea typeface="+mn-ea"/>
+                <a:cs typeface="+mn-cs"/>
+              </a:defRPr>
+            </a:lvl3pPr>
+            <a:lvl4pPr marL="1600200" indent="-228600" algn="l" defTabSz="914400" rtl="0" eaLnBrk="1" latinLnBrk="0" hangingPunct="1">
+              <a:lnSpc>
+                <a:spcPct val="90000"/>
+              </a:lnSpc>
+              <a:spcBef>
+                <a:spcPts val="500"/>
+              </a:spcBef>
+              <a:buFont typeface="Arial" panose="020B0604020202020204" pitchFamily="34" charset="0"/>
+              <a:buChar char="•"/>
+              <a:defRPr sz="1800" kern="1200">
+                <a:solidFill>
+                  <a:schemeClr val="tx1"/>
+                </a:solidFill>
+                <a:latin typeface="+mn-lt"/>
+                <a:ea typeface="+mn-ea"/>
+                <a:cs typeface="+mn-cs"/>
+              </a:defRPr>
+            </a:lvl4pPr>
+            <a:lvl5pPr marL="2057400" indent="-228600" algn="l" defTabSz="914400" rtl="0" eaLnBrk="1" latinLnBrk="0" hangingPunct="1">
+              <a:lnSpc>
+                <a:spcPct val="90000"/>
+              </a:lnSpc>
+              <a:spcBef>
+                <a:spcPts val="500"/>
+              </a:spcBef>
+              <a:buFont typeface="Arial" panose="020B0604020202020204" pitchFamily="34" charset="0"/>
+              <a:buChar char="•"/>
+              <a:defRPr sz="1800" kern="1200">
+                <a:solidFill>
+                  <a:schemeClr val="tx1"/>
+                </a:solidFill>
+                <a:latin typeface="+mn-lt"/>
+                <a:ea typeface="+mn-ea"/>
+                <a:cs typeface="+mn-cs"/>
+              </a:defRPr>
+            </a:lvl5pPr>
+            <a:lvl6pPr marL="2514600" indent="-228600" algn="l" defTabSz="914400" rtl="0" eaLnBrk="1" latinLnBrk="0" hangingPunct="1">
+              <a:lnSpc>
+                <a:spcPct val="90000"/>
+              </a:lnSpc>
+              <a:spcBef>
+                <a:spcPts val="500"/>
+              </a:spcBef>
+              <a:buFont typeface="Arial" panose="020B0604020202020204" pitchFamily="34" charset="0"/>
+              <a:buChar char="•"/>
+              <a:defRPr sz="1800" kern="1200">
+                <a:solidFill>
+                  <a:schemeClr val="tx1"/>
+                </a:solidFill>
+                <a:latin typeface="+mn-lt"/>
+                <a:ea typeface="+mn-ea"/>
+                <a:cs typeface="+mn-cs"/>
+              </a:defRPr>
+            </a:lvl6pPr>
+            <a:lvl7pPr marL="2971800" indent="-228600" algn="l" defTabSz="914400" rtl="0" eaLnBrk="1" latinLnBrk="0" hangingPunct="1">
+              <a:lnSpc>
+                <a:spcPct val="90000"/>
+              </a:lnSpc>
+              <a:spcBef>
+                <a:spcPts val="500"/>
+              </a:spcBef>
+              <a:buFont typeface="Arial" panose="020B0604020202020204" pitchFamily="34" charset="0"/>
+              <a:buChar char="•"/>
+              <a:defRPr sz="1800" kern="1200">
+                <a:solidFill>
+                  <a:schemeClr val="tx1"/>
+                </a:solidFill>
+                <a:latin typeface="+mn-lt"/>
+                <a:ea typeface="+mn-ea"/>
+                <a:cs typeface="+mn-cs"/>
+              </a:defRPr>
+            </a:lvl7pPr>
+            <a:lvl8pPr marL="3429000" indent="-228600" algn="l" defTabSz="914400" rtl="0" eaLnBrk="1" latinLnBrk="0" hangingPunct="1">
+              <a:lnSpc>
+                <a:spcPct val="90000"/>
+              </a:lnSpc>
+              <a:spcBef>
+                <a:spcPts val="500"/>
+              </a:spcBef>
+              <a:buFont typeface="Arial" panose="020B0604020202020204" pitchFamily="34" charset="0"/>
+              <a:buChar char="•"/>
+              <a:defRPr sz="1800" kern="1200">
+                <a:solidFill>
+                  <a:schemeClr val="tx1"/>
+                </a:solidFill>
+                <a:latin typeface="+mn-lt"/>
+                <a:ea typeface="+mn-ea"/>
+                <a:cs typeface="+mn-cs"/>
+              </a:defRPr>
+            </a:lvl8pPr>
+            <a:lvl9pPr marL="3886200" indent="-228600" algn="l" defTabSz="914400" rtl="0" eaLnBrk="1" latinLnBrk="0" hangingPunct="1">
+              <a:lnSpc>
+                <a:spcPct val="90000"/>
+              </a:lnSpc>
+              <a:spcBef>
+                <a:spcPts val="500"/>
+              </a:spcBef>
+              <a:buFont typeface="Arial" panose="020B0604020202020204" pitchFamily="34" charset="0"/>
+              <a:buChar char="•"/>
+              <a:defRPr sz="1800" kern="1200">
+                <a:solidFill>
+                  <a:schemeClr val="tx1"/>
+                </a:solidFill>
+                <a:latin typeface="+mn-lt"/>
+                <a:ea typeface="+mn-ea"/>
+                <a:cs typeface="+mn-cs"/>
+              </a:defRPr>
+            </a:lvl9pPr>
+          </a:lstStyle>
+          <a:p>
+            <a:pPr marL="0" indent="0">
+              <a:buFont typeface="Arial" panose="020B0604020202020204" pitchFamily="34" charset="0"/>
+              <a:buNone/>
+            </a:pPr>
+            <a:r>
+              <a:rPr lang="en-GB" dirty="0"/>
+              <a:t> </a:t>
+            </a:r>
+          </a:p>
+          <a:p>
+            <a:r>
+              <a:rPr lang="en-GB" dirty="0"/>
+              <a:t>The output of commands can be piped to another:</a:t>
+            </a:r>
+          </a:p>
+          <a:p>
+            <a:pPr marL="0" indent="0">
+              <a:buNone/>
+            </a:pPr>
+            <a:r>
+              <a:rPr lang="en-GB" dirty="0">
+                <a:solidFill>
+                  <a:srgbClr val="0070C0"/>
+                </a:solidFill>
+              </a:rPr>
+              <a:t>ls </a:t>
+            </a:r>
+            <a:r>
+              <a:rPr lang="en-GB" dirty="0"/>
+              <a:t>   (what is in the directory)</a:t>
+            </a:r>
+          </a:p>
+          <a:p>
+            <a:pPr marL="0" indent="0">
+              <a:buNone/>
+            </a:pPr>
+            <a:r>
+              <a:rPr lang="en-GB" dirty="0">
+                <a:solidFill>
+                  <a:srgbClr val="0070C0"/>
+                </a:solidFill>
+              </a:rPr>
+              <a:t>ls | </a:t>
+            </a:r>
+            <a:r>
+              <a:rPr lang="en-GB" dirty="0" err="1">
+                <a:solidFill>
+                  <a:srgbClr val="0070C0"/>
+                </a:solidFill>
+              </a:rPr>
+              <a:t>wc</a:t>
+            </a:r>
+            <a:r>
+              <a:rPr lang="en-GB" dirty="0">
+                <a:solidFill>
+                  <a:srgbClr val="0070C0"/>
+                </a:solidFill>
+              </a:rPr>
+              <a:t> -l   </a:t>
+            </a:r>
+            <a:r>
+              <a:rPr lang="en-GB" dirty="0"/>
+              <a:t>(… pass this to word count)</a:t>
+            </a:r>
+          </a:p>
+        </p:txBody>
+      </p:sp>
+    </p:spTree>
+    <p:extLst>
+      <p:ext uri="{BB962C8B-B14F-4D97-AF65-F5344CB8AC3E}">
+        <p14:creationId xmlns:p14="http://schemas.microsoft.com/office/powerpoint/2010/main" val="2201691890"/>
+      </p:ext>
+    </p:extLst>
+  </p:cSld>
+  <p:clrMapOvr>
+    <a:masterClrMapping/>
+  </p:clrMapOvr>
+</p:sld>
+</file>
+
+<file path=ppt/slides/slide12.xml><?xml version="1.0" encoding="utf-8"?>
+<p:sld xmlns:a="http://schemas.openxmlformats.org/drawingml/2006/main" xmlns:r="http://schemas.openxmlformats.org/officeDocument/2006/relationships" xmlns:p="http://schemas.openxmlformats.org/presentationml/2006/main">
+  <p:cSld>
+    <p:spTree>
+      <p:nvGrpSpPr>
+        <p:cNvPr id="1" name=""/>
+        <p:cNvGrpSpPr/>
+        <p:nvPr/>
+      </p:nvGrpSpPr>
+      <p:grpSpPr>
+        <a:xfrm>
+          <a:off x="0" y="0"/>
+          <a:ext cx="0" cy="0"/>
+          <a:chOff x="0" y="0"/>
+          <a:chExt cx="0" cy="0"/>
+        </a:xfrm>
+      </p:grpSpPr>
+      <p:sp>
+        <p:nvSpPr>
+          <p:cNvPr id="2" name="Title 1">
+            <a:extLst>
+              <a:ext uri="{FF2B5EF4-FFF2-40B4-BE49-F238E27FC236}">
                 <a16:creationId xmlns:a16="http://schemas.microsoft.com/office/drawing/2014/main" id="{563D450F-B67F-4D0B-B71F-6C789FFBC226}"/>
               </a:ext>
             </a:extLst>
@@ -4024,7 +4248,7 @@
                   <a:srgbClr val="0070C0"/>
                 </a:solidFill>
               </a:rPr>
-              <a:t> R1.fastq.gz | head</a:t>
+              <a:t> subsampled_R1.fastq.gz | head</a:t>
             </a:r>
           </a:p>
           <a:p>
@@ -4067,7 +4291,7 @@
                   <a:srgbClr val="0070C0"/>
                 </a:solidFill>
               </a:rPr>
-              <a:t> R1.fastq.gz | grep -c “@DRR0”</a:t>
+              <a:t> subsampled_R1.fastq.gz | grep -c “@ERR”</a:t>
             </a:r>
           </a:p>
           <a:p>
@@ -4105,7 +4329,7 @@
                   <a:srgbClr val="0070C0"/>
                 </a:solidFill>
               </a:rPr>
-              <a:t> R1.fastq.gz | more</a:t>
+              <a:t> subsampled_R1.fastq.gz | more</a:t>
             </a:r>
           </a:p>
         </p:txBody>
@@ -4281,7 +4505,7 @@
 </p:sld>
 </file>
 
-<file path=ppt/slides/slide12.xml><?xml version="1.0" encoding="utf-8"?>
+<file path=ppt/slides/slide13.xml><?xml version="1.0" encoding="utf-8"?>
 <p:sld xmlns:a="http://schemas.openxmlformats.org/drawingml/2006/main" xmlns:r="http://schemas.openxmlformats.org/officeDocument/2006/relationships" xmlns:p="http://schemas.openxmlformats.org/presentationml/2006/main">
   <p:cSld>
     <p:spTree>
@@ -4568,7 +4792,7 @@
 </p:sld>
 </file>
 
-<file path=ppt/slides/slide13.xml><?xml version="1.0" encoding="utf-8"?>
+<file path=ppt/slides/slide14.xml><?xml version="1.0" encoding="utf-8"?>
 <p:sld xmlns:a="http://schemas.openxmlformats.org/drawingml/2006/main" xmlns:r="http://schemas.openxmlformats.org/officeDocument/2006/relationships" xmlns:p="http://schemas.openxmlformats.org/presentationml/2006/main">
   <p:cSld>
     <p:spTree>
@@ -4787,7 +5011,7 @@
 </p:sld>
 </file>
 
-<file path=ppt/slides/slide14.xml><?xml version="1.0" encoding="utf-8"?>
+<file path=ppt/slides/slide15.xml><?xml version="1.0" encoding="utf-8"?>
 <p:sld xmlns:a="http://schemas.openxmlformats.org/drawingml/2006/main" xmlns:r="http://schemas.openxmlformats.org/officeDocument/2006/relationships" xmlns:p="http://schemas.openxmlformats.org/presentationml/2006/main">
   <p:cSld>
     <p:spTree>
@@ -5510,6 +5734,45 @@
               <a:t>(scroll through a file)</a:t>
             </a:r>
           </a:p>
+          <a:p>
+            <a:pPr marL="0" indent="0">
+              <a:buNone/>
+            </a:pPr>
+            <a:r>
+              <a:rPr lang="en-GB" dirty="0">
+                <a:solidFill>
+                  <a:srgbClr val="0070C0"/>
+                </a:solidFill>
+              </a:rPr>
+              <a:t>less </a:t>
+            </a:r>
+            <a:r>
+              <a:rPr lang="en-GB" i="1" dirty="0">
+                <a:solidFill>
+                  <a:srgbClr val="00B050"/>
+                </a:solidFill>
+              </a:rPr>
+              <a:t>file</a:t>
+            </a:r>
+            <a:r>
+              <a:rPr lang="en-GB" dirty="0">
+                <a:solidFill>
+                  <a:srgbClr val="0070C0"/>
+                </a:solidFill>
+              </a:rPr>
+              <a:t> </a:t>
+            </a:r>
+            <a:r>
+              <a:rPr lang="en-GB" dirty="0"/>
+              <a:t>(scroll through a file)</a:t>
+            </a:r>
+          </a:p>
+          <a:p>
+            <a:pPr marL="0" indent="0">
+              <a:buNone/>
+            </a:pPr>
+            <a:endParaRPr lang="en-GB" dirty="0"/>
+          </a:p>
         </p:txBody>
       </p:sp>
       <p:pic>
@@ -5688,7 +5951,9 @@
           </a:xfrm>
         </p:spPr>
         <p:txBody>
-          <a:bodyPr/>
+          <a:bodyPr>
+            <a:normAutofit/>
+          </a:bodyPr>
           <a:lstStyle/>
           <a:p>
             <a:r>
@@ -5737,6 +6002,25 @@
               <a:rPr lang="en-GB" dirty="0"/>
               <a:t>(go back to where you were last - this is handy!!)</a:t>
             </a:r>
+          </a:p>
+          <a:p>
+            <a:r>
+              <a:rPr lang="en-GB" dirty="0">
+                <a:solidFill>
+                  <a:srgbClr val="0070C0"/>
+                </a:solidFill>
+              </a:rPr>
+              <a:t>cd full/path/to/</a:t>
+            </a:r>
+            <a:r>
+              <a:rPr lang="en-GB" dirty="0" err="1">
+                <a:solidFill>
+                  <a:srgbClr val="0070C0"/>
+                </a:solidFill>
+              </a:rPr>
+              <a:t>where_you_want</a:t>
+            </a:r>
+            <a:endParaRPr lang="en-GB" dirty="0"/>
           </a:p>
           <a:p>
             <a:r>
@@ -5823,7 +6107,7 @@
         </p:blipFill>
         <p:spPr>
           <a:xfrm>
-            <a:off x="3367456" y="4520854"/>
+            <a:off x="3367456" y="4796063"/>
             <a:ext cx="4676037" cy="2121592"/>
           </a:xfrm>
           <a:prstGeom prst="rect">
@@ -5866,7 +6150,7 @@
           <p:cNvPr id="2" name="Title 1">
             <a:extLst>
               <a:ext uri="{FF2B5EF4-FFF2-40B4-BE49-F238E27FC236}">
-                <a16:creationId xmlns:a16="http://schemas.microsoft.com/office/drawing/2014/main" id="{050A491F-95F2-4A7B-87D5-EA96D3EE0AD8}"/>
+                <a16:creationId xmlns:a16="http://schemas.microsoft.com/office/drawing/2014/main" id="{31862498-9E3C-4D1D-8875-2C25438B0B5C}"/>
               </a:ext>
             </a:extLst>
           </p:cNvPr>
@@ -5879,7 +6163,7 @@
         </p:nvSpPr>
         <p:spPr>
           <a:xfrm>
-            <a:off x="162426" y="-51512"/>
+            <a:off x="838200" y="-114300"/>
             <a:ext cx="10515600" cy="1325563"/>
           </a:xfrm>
         </p:spPr>
@@ -5887,13 +6171,14 @@
           <a:bodyPr/>
           <a:lstStyle/>
           <a:p>
+            <a:pPr algn="ctr"/>
             <a:r>
               <a:rPr lang="en-GB" dirty="0">
                 <a:solidFill>
                   <a:srgbClr val="7030A0"/>
                 </a:solidFill>
               </a:rPr>
-              <a:t>3) Basic UNIX: UNIX tutorial</a:t>
+              <a:t>3) Basic UNIX: Filesystem navigation</a:t>
             </a:r>
           </a:p>
         </p:txBody>
@@ -5903,7 +6188,7 @@
           <p:cNvPr id="3" name="Content Placeholder 2">
             <a:extLst>
               <a:ext uri="{FF2B5EF4-FFF2-40B4-BE49-F238E27FC236}">
-                <a16:creationId xmlns:a16="http://schemas.microsoft.com/office/drawing/2014/main" id="{72139ADA-A4E9-4B07-9DD6-D9DC65CCFF69}"/>
+                <a16:creationId xmlns:a16="http://schemas.microsoft.com/office/drawing/2014/main" id="{09AE9356-917C-43E8-9E63-472EA4B59827}"/>
               </a:ext>
             </a:extLst>
           </p:cNvPr>
@@ -5916,36 +6201,46 @@
         </p:nvSpPr>
         <p:spPr>
           <a:xfrm>
-            <a:off x="389021" y="989215"/>
-            <a:ext cx="10515600" cy="4842843"/>
-          </a:xfrm>
-        </p:spPr>
-        <p:txBody>
-          <a:bodyPr/>
-          <a:lstStyle/>
-          <a:p>
-            <a:r>
-              <a:rPr lang="en-GB" u="sng" dirty="0">
-                <a:hlinkClick r:id="rId2"/>
-              </a:rPr>
-              <a:t>http://rik.smith-unna.com/command_line_bootcamp/</a:t>
-            </a:r>
-            <a:endParaRPr lang="en-GB" u="sng" dirty="0"/>
-          </a:p>
-          <a:p>
-            <a:r>
-              <a:rPr lang="en-GB" dirty="0"/>
-              <a:t>Keep this link open so you can “play” in any free moments</a:t>
-            </a:r>
+            <a:off x="257176" y="1377950"/>
+            <a:ext cx="11468100" cy="4351338"/>
+          </a:xfrm>
+        </p:spPr>
+        <p:txBody>
+          <a:bodyPr>
+            <a:normAutofit/>
+          </a:bodyPr>
+          <a:lstStyle/>
+          <a:p>
+            <a:r>
+              <a:rPr lang="en-GB" dirty="0"/>
+              <a:t>Note: windows uses \ to separate and path. Where as Linux uses /</a:t>
+            </a:r>
+          </a:p>
+          <a:p>
+            <a:r>
+              <a:rPr lang="en-GB" dirty="0"/>
+              <a:t>If you try this at the Windows command line you will soon find out. </a:t>
+            </a:r>
+          </a:p>
+          <a:p>
+            <a:r>
+              <a:rPr lang="en-GB" dirty="0">
+                <a:solidFill>
+                  <a:srgbClr val="0070C0"/>
+                </a:solidFill>
+              </a:rPr>
+              <a:t>cd ../ </a:t>
+            </a:r>
+            <a:endParaRPr lang="en-GB" dirty="0"/>
           </a:p>
         </p:txBody>
       </p:sp>
       <p:pic>
         <p:nvPicPr>
-          <p:cNvPr id="4" name="Picture 3">
-            <a:extLst>
-              <a:ext uri="{FF2B5EF4-FFF2-40B4-BE49-F238E27FC236}">
-                <a16:creationId xmlns:a16="http://schemas.microsoft.com/office/drawing/2014/main" id="{946061F0-A9DA-454D-AAE4-45F08FE2DB21}"/>
+          <p:cNvPr id="6" name="Picture 5" descr="A satellite in space&#10;&#10;Description generated with high confidence">
+            <a:extLst>
+              <a:ext uri="{FF2B5EF4-FFF2-40B4-BE49-F238E27FC236}">
+                <a16:creationId xmlns:a16="http://schemas.microsoft.com/office/drawing/2014/main" id="{A4669C7E-EE67-4C8B-9572-3B2AA764621B}"/>
               </a:ext>
             </a:extLst>
           </p:cNvPr>
@@ -5954,312 +6249,32 @@
           </p:cNvPicPr>
           <p:nvPr/>
         </p:nvPicPr>
-        <p:blipFill rotWithShape="1">
-          <a:blip r:embed="rId3">
+        <p:blipFill>
+          <a:blip r:embed="rId2">
             <a:extLst>
               <a:ext uri="{28A0092B-C50C-407E-A947-70E740481C1C}">
                 <a14:useLocalDpi xmlns:a14="http://schemas.microsoft.com/office/drawing/2010/main" val="0"/>
               </a:ext>
             </a:extLst>
           </a:blip>
-          <a:srcRect/>
-          <a:stretch/>
+          <a:stretch>
+            <a:fillRect/>
+          </a:stretch>
         </p:blipFill>
         <p:spPr>
           <a:xfrm>
-            <a:off x="2165683" y="2309496"/>
-            <a:ext cx="7170822" cy="4396106"/>
+            <a:off x="3367456" y="4796063"/>
+            <a:ext cx="4676037" cy="2121592"/>
           </a:xfrm>
           <a:prstGeom prst="rect">
             <a:avLst/>
           </a:prstGeom>
-          <a:ln>
-            <a:solidFill>
-              <a:schemeClr val="tx1"/>
-            </a:solidFill>
-          </a:ln>
         </p:spPr>
       </p:pic>
-      <p:sp>
-        <p:nvSpPr>
-          <p:cNvPr id="5" name="TextBox 4">
-            <a:extLst>
-              <a:ext uri="{FF2B5EF4-FFF2-40B4-BE49-F238E27FC236}">
-                <a16:creationId xmlns:a16="http://schemas.microsoft.com/office/drawing/2014/main" id="{47A8E60C-FC4B-415F-9D09-BB0823DD659F}"/>
-              </a:ext>
-            </a:extLst>
-          </p:cNvPr>
-          <p:cNvSpPr txBox="1"/>
-          <p:nvPr/>
-        </p:nvSpPr>
-        <p:spPr>
-          <a:xfrm>
-            <a:off x="9667374" y="2518067"/>
-            <a:ext cx="2021305" cy="646331"/>
-          </a:xfrm>
-          <a:prstGeom prst="rect">
-            <a:avLst/>
-          </a:prstGeom>
-          <a:noFill/>
-        </p:spPr>
-        <p:txBody>
-          <a:bodyPr wrap="square" rtlCol="0">
-            <a:spAutoFit/>
-          </a:bodyPr>
-          <a:lstStyle/>
-          <a:p>
-            <a:r>
-              <a:rPr lang="en-GB" dirty="0"/>
-              <a:t>Commands entered here</a:t>
-            </a:r>
-          </a:p>
-        </p:txBody>
-      </p:sp>
-      <p:cxnSp>
-        <p:nvCxnSpPr>
-          <p:cNvPr id="7" name="Straight Arrow Connector 6">
-            <a:extLst>
-              <a:ext uri="{FF2B5EF4-FFF2-40B4-BE49-F238E27FC236}">
-                <a16:creationId xmlns:a16="http://schemas.microsoft.com/office/drawing/2014/main" id="{77A3FB58-4E5A-4509-9232-251D86E56420}"/>
-              </a:ext>
-            </a:extLst>
-          </p:cNvPr>
-          <p:cNvCxnSpPr>
-            <a:cxnSpLocks/>
-          </p:cNvCxnSpPr>
-          <p:nvPr/>
-        </p:nvCxnSpPr>
-        <p:spPr>
-          <a:xfrm flipH="1" flipV="1">
-            <a:off x="7491665" y="2523718"/>
-            <a:ext cx="2089483" cy="282565"/>
-          </a:xfrm>
-          <a:prstGeom prst="straightConnector1">
-            <a:avLst/>
-          </a:prstGeom>
-          <a:ln>
-            <a:tailEnd type="triangle"/>
-          </a:ln>
-        </p:spPr>
-        <p:style>
-          <a:lnRef idx="1">
-            <a:schemeClr val="accent1"/>
-          </a:lnRef>
-          <a:fillRef idx="0">
-            <a:schemeClr val="accent1"/>
-          </a:fillRef>
-          <a:effectRef idx="0">
-            <a:schemeClr val="accent1"/>
-          </a:effectRef>
-          <a:fontRef idx="minor">
-            <a:schemeClr val="tx1"/>
-          </a:fontRef>
-        </p:style>
-      </p:cxnSp>
-      <p:sp>
-        <p:nvSpPr>
-          <p:cNvPr id="8" name="TextBox 7">
-            <a:extLst>
-              <a:ext uri="{FF2B5EF4-FFF2-40B4-BE49-F238E27FC236}">
-                <a16:creationId xmlns:a16="http://schemas.microsoft.com/office/drawing/2014/main" id="{1593E8EE-2852-4675-AB73-D48CDD22BEE7}"/>
-              </a:ext>
-            </a:extLst>
-          </p:cNvPr>
-          <p:cNvSpPr txBox="1"/>
-          <p:nvPr/>
-        </p:nvSpPr>
-        <p:spPr>
-          <a:xfrm>
-            <a:off x="144378" y="4322883"/>
-            <a:ext cx="2021305" cy="369332"/>
-          </a:xfrm>
-          <a:prstGeom prst="rect">
-            <a:avLst/>
-          </a:prstGeom>
-          <a:noFill/>
-        </p:spPr>
-        <p:txBody>
-          <a:bodyPr wrap="square" rtlCol="0">
-            <a:spAutoFit/>
-          </a:bodyPr>
-          <a:lstStyle/>
-          <a:p>
-            <a:r>
-              <a:rPr lang="en-GB" dirty="0"/>
-              <a:t>Tutorial steps</a:t>
-            </a:r>
-          </a:p>
-        </p:txBody>
-      </p:sp>
-      <p:cxnSp>
-        <p:nvCxnSpPr>
-          <p:cNvPr id="10" name="Straight Arrow Connector 9">
-            <a:extLst>
-              <a:ext uri="{FF2B5EF4-FFF2-40B4-BE49-F238E27FC236}">
-                <a16:creationId xmlns:a16="http://schemas.microsoft.com/office/drawing/2014/main" id="{A2B37A54-4CE7-4205-9AE6-B3D4FBBA45DE}"/>
-              </a:ext>
-            </a:extLst>
-          </p:cNvPr>
-          <p:cNvCxnSpPr>
-            <a:cxnSpLocks/>
-          </p:cNvCxnSpPr>
-          <p:nvPr/>
-        </p:nvCxnSpPr>
-        <p:spPr>
-          <a:xfrm>
-            <a:off x="1572126" y="4532851"/>
-            <a:ext cx="689811" cy="55191"/>
-          </a:xfrm>
-          <a:prstGeom prst="straightConnector1">
-            <a:avLst/>
-          </a:prstGeom>
-          <a:ln>
-            <a:tailEnd type="triangle"/>
-          </a:ln>
-        </p:spPr>
-        <p:style>
-          <a:lnRef idx="1">
-            <a:schemeClr val="accent1"/>
-          </a:lnRef>
-          <a:fillRef idx="0">
-            <a:schemeClr val="accent1"/>
-          </a:fillRef>
-          <a:effectRef idx="0">
-            <a:schemeClr val="accent1"/>
-          </a:effectRef>
-          <a:fontRef idx="minor">
-            <a:schemeClr val="tx1"/>
-          </a:fontRef>
-        </p:style>
-      </p:cxnSp>
-      <p:sp>
-        <p:nvSpPr>
-          <p:cNvPr id="13" name="TextBox 12">
-            <a:extLst>
-              <a:ext uri="{FF2B5EF4-FFF2-40B4-BE49-F238E27FC236}">
-                <a16:creationId xmlns:a16="http://schemas.microsoft.com/office/drawing/2014/main" id="{81EE5837-F882-408B-840A-3E4AC6D3F4A8}"/>
-              </a:ext>
-            </a:extLst>
-          </p:cNvPr>
-          <p:cNvSpPr txBox="1"/>
-          <p:nvPr/>
-        </p:nvSpPr>
-        <p:spPr>
-          <a:xfrm>
-            <a:off x="9781674" y="4852272"/>
-            <a:ext cx="2021305" cy="369332"/>
-          </a:xfrm>
-          <a:prstGeom prst="rect">
-            <a:avLst/>
-          </a:prstGeom>
-          <a:noFill/>
-        </p:spPr>
-        <p:txBody>
-          <a:bodyPr wrap="square" rtlCol="0">
-            <a:spAutoFit/>
-          </a:bodyPr>
-          <a:lstStyle/>
-          <a:p>
-            <a:r>
-              <a:rPr lang="en-GB" dirty="0"/>
-              <a:t>Folder and files</a:t>
-            </a:r>
-          </a:p>
-        </p:txBody>
-      </p:sp>
-      <p:cxnSp>
-        <p:nvCxnSpPr>
-          <p:cNvPr id="15" name="Straight Arrow Connector 14">
-            <a:extLst>
-              <a:ext uri="{FF2B5EF4-FFF2-40B4-BE49-F238E27FC236}">
-                <a16:creationId xmlns:a16="http://schemas.microsoft.com/office/drawing/2014/main" id="{E67DEC6D-6B4A-4421-A3D1-F2EB79F0D945}"/>
-              </a:ext>
-            </a:extLst>
-          </p:cNvPr>
-          <p:cNvCxnSpPr/>
-          <p:nvPr/>
-        </p:nvCxnSpPr>
-        <p:spPr>
-          <a:xfrm flipH="1" flipV="1">
-            <a:off x="8448174" y="4860758"/>
-            <a:ext cx="1219200" cy="88231"/>
-          </a:xfrm>
-          <a:prstGeom prst="straightConnector1">
-            <a:avLst/>
-          </a:prstGeom>
-          <a:ln>
-            <a:tailEnd type="triangle"/>
-          </a:ln>
-        </p:spPr>
-        <p:style>
-          <a:lnRef idx="1">
-            <a:schemeClr val="accent1"/>
-          </a:lnRef>
-          <a:fillRef idx="0">
-            <a:schemeClr val="accent1"/>
-          </a:fillRef>
-          <a:effectRef idx="0">
-            <a:schemeClr val="accent1"/>
-          </a:effectRef>
-          <a:fontRef idx="minor">
-            <a:schemeClr val="tx1"/>
-          </a:fontRef>
-        </p:style>
-      </p:cxnSp>
-      <p:sp>
-        <p:nvSpPr>
-          <p:cNvPr id="16" name="TextBox 15">
-            <a:extLst>
-              <a:ext uri="{FF2B5EF4-FFF2-40B4-BE49-F238E27FC236}">
-                <a16:creationId xmlns:a16="http://schemas.microsoft.com/office/drawing/2014/main" id="{484DD4C2-F19F-46E6-8C66-2EC9E0BFC352}"/>
-              </a:ext>
-            </a:extLst>
-          </p:cNvPr>
-          <p:cNvSpPr txBox="1"/>
-          <p:nvPr/>
-        </p:nvSpPr>
-        <p:spPr>
-          <a:xfrm>
-            <a:off x="10350500" y="0"/>
-            <a:ext cx="1841500" cy="584775"/>
-          </a:xfrm>
-          <a:prstGeom prst="rect">
-            <a:avLst/>
-          </a:prstGeom>
-          <a:noFill/>
-        </p:spPr>
-        <p:txBody>
-          <a:bodyPr wrap="square" rtlCol="0">
-            <a:spAutoFit/>
-          </a:bodyPr>
-          <a:lstStyle/>
-          <a:p>
-            <a:r>
-              <a:rPr lang="en-GB" sz="3200" dirty="0">
-                <a:solidFill>
-                  <a:srgbClr val="FF0000"/>
-                </a:solidFill>
-                <a:highlight>
-                  <a:srgbClr val="FFFF00"/>
-                </a:highlight>
-              </a:rPr>
-              <a:t>ACTIVITY</a:t>
-            </a:r>
-            <a:endParaRPr lang="en-GB" sz="2800" dirty="0">
-              <a:solidFill>
-                <a:srgbClr val="FF0000"/>
-              </a:solidFill>
-              <a:highlight>
-                <a:srgbClr val="FFFF00"/>
-              </a:highlight>
-            </a:endParaRPr>
-          </a:p>
-        </p:txBody>
-      </p:sp>
     </p:spTree>
     <p:extLst>
       <p:ext uri="{BB962C8B-B14F-4D97-AF65-F5344CB8AC3E}">
-        <p14:creationId xmlns:p14="http://schemas.microsoft.com/office/powerpoint/2010/main" val="277890894"/>
+        <p14:creationId xmlns:p14="http://schemas.microsoft.com/office/powerpoint/2010/main" val="2346004625"/>
       </p:ext>
     </p:extLst>
   </p:cSld>
@@ -6291,7 +6306,7 @@
           <p:cNvPr id="2" name="Title 1">
             <a:extLst>
               <a:ext uri="{FF2B5EF4-FFF2-40B4-BE49-F238E27FC236}">
-                <a16:creationId xmlns:a16="http://schemas.microsoft.com/office/drawing/2014/main" id="{1536064C-7C83-4153-B524-093E5CE385D2}"/>
+                <a16:creationId xmlns:a16="http://schemas.microsoft.com/office/drawing/2014/main" id="{050A491F-95F2-4A7B-87D5-EA96D3EE0AD8}"/>
               </a:ext>
             </a:extLst>
           </p:cNvPr>
@@ -6304,7 +6319,7 @@
         </p:nvSpPr>
         <p:spPr>
           <a:xfrm>
-            <a:off x="371475" y="-370395"/>
+            <a:off x="162426" y="-51512"/>
             <a:ext cx="10515600" cy="1325563"/>
           </a:xfrm>
         </p:spPr>
@@ -6312,38 +6327,13 @@
           <a:bodyPr/>
           <a:lstStyle/>
           <a:p>
-            <a:pPr algn="ctr"/>
             <a:r>
               <a:rPr lang="en-GB" dirty="0">
                 <a:solidFill>
                   <a:srgbClr val="7030A0"/>
                 </a:solidFill>
               </a:rPr>
-              <a:t>3) Basic UNIX: Copy files </a:t>
-            </a:r>
-            <a:r>
-              <a:rPr lang="en-GB" dirty="0"/>
-              <a:t>(</a:t>
-            </a:r>
-            <a:r>
-              <a:rPr lang="en-GB" dirty="0" err="1">
-                <a:solidFill>
-                  <a:srgbClr val="0070C0"/>
-                </a:solidFill>
-              </a:rPr>
-              <a:t>cp</a:t>
-            </a:r>
-            <a:r>
-              <a:rPr lang="en-GB" dirty="0"/>
-              <a:t>) </a:t>
-            </a:r>
-            <a:r>
-              <a:rPr lang="en-GB" dirty="0">
-                <a:solidFill>
-                  <a:srgbClr val="7030A0"/>
-                </a:solidFill>
-              </a:rPr>
-              <a:t>for training</a:t>
+              <a:t>3) Basic UNIX: UNIX tutorial</a:t>
             </a:r>
           </a:p>
         </p:txBody>
@@ -6353,7 +6343,7 @@
           <p:cNvPr id="3" name="Content Placeholder 2">
             <a:extLst>
               <a:ext uri="{FF2B5EF4-FFF2-40B4-BE49-F238E27FC236}">
-                <a16:creationId xmlns:a16="http://schemas.microsoft.com/office/drawing/2014/main" id="{FD6D57D2-A71D-429F-8277-8464BDFC79B9}"/>
+                <a16:creationId xmlns:a16="http://schemas.microsoft.com/office/drawing/2014/main" id="{72139ADA-A4E9-4B07-9DD6-D9DC65CCFF69}"/>
               </a:ext>
             </a:extLst>
           </p:cNvPr>
@@ -6366,218 +6356,302 @@
         </p:nvSpPr>
         <p:spPr>
           <a:xfrm>
-            <a:off x="158750" y="393220"/>
-            <a:ext cx="10941050" cy="4351338"/>
+            <a:off x="389021" y="989215"/>
+            <a:ext cx="10515600" cy="4842843"/>
           </a:xfrm>
         </p:spPr>
         <p:txBody>
           <a:bodyPr/>
           <a:lstStyle/>
           <a:p>
-            <a:pPr marL="0" indent="0">
-              <a:buNone/>
-            </a:pPr>
-            <a:r>
-              <a:rPr lang="en-GB" dirty="0"/>
-              <a:t> </a:t>
-            </a:r>
-          </a:p>
-          <a:p>
-            <a:pPr marL="0" indent="0">
-              <a:buNone/>
-            </a:pPr>
-            <a:r>
-              <a:rPr lang="en-GB" dirty="0"/>
-              <a:t>Lets copy the training files to your home directory (no spaces in paths):</a:t>
-            </a:r>
-          </a:p>
-          <a:p>
-            <a:pPr marL="0" indent="0">
-              <a:buNone/>
-            </a:pPr>
-            <a:r>
-              <a:rPr lang="en-GB" dirty="0" err="1">
-                <a:solidFill>
-                  <a:srgbClr val="0070C0"/>
-                </a:solidFill>
-              </a:rPr>
-              <a:t>cp</a:t>
-            </a:r>
-            <a:r>
-              <a:rPr lang="en-GB" dirty="0">
-                <a:solidFill>
-                  <a:srgbClr val="0070C0"/>
-                </a:solidFill>
-              </a:rPr>
-              <a:t> -</a:t>
-            </a:r>
-            <a:r>
-              <a:rPr lang="en-GB" dirty="0" err="1">
-                <a:solidFill>
-                  <a:srgbClr val="0070C0"/>
-                </a:solidFill>
-              </a:rPr>
-              <a:t>rv</a:t>
-            </a:r>
-            <a:r>
-              <a:rPr lang="en-GB" dirty="0">
-                <a:solidFill>
-                  <a:srgbClr val="0070C0"/>
-                </a:solidFill>
-              </a:rPr>
-              <a:t> /shelf/training/ ~/</a:t>
-            </a:r>
-            <a:r>
-              <a:rPr lang="en-GB" dirty="0" err="1">
-                <a:solidFill>
-                  <a:srgbClr val="0070C0"/>
-                </a:solidFill>
-              </a:rPr>
-              <a:t>ngs</a:t>
-            </a:r>
-            <a:r>
-              <a:rPr lang="en-GB" dirty="0">
-                <a:solidFill>
-                  <a:srgbClr val="0070C0"/>
-                </a:solidFill>
-              </a:rPr>
-              <a:t>     </a:t>
-            </a:r>
-            <a:r>
-              <a:rPr lang="en-GB" dirty="0"/>
-              <a:t>(tip: </a:t>
-            </a:r>
-            <a:r>
-              <a:rPr lang="en-GB" dirty="0">
-                <a:solidFill>
-                  <a:srgbClr val="FF0000"/>
-                </a:solidFill>
-              </a:rPr>
-              <a:t>~</a:t>
-            </a:r>
-            <a:r>
-              <a:rPr lang="en-GB" dirty="0"/>
-              <a:t> is the same as </a:t>
-            </a:r>
-            <a:r>
-              <a:rPr lang="en-GB" dirty="0">
-                <a:solidFill>
-                  <a:srgbClr val="FF0000"/>
-                </a:solidFill>
-              </a:rPr>
-              <a:t>$HOME</a:t>
-            </a:r>
-            <a:r>
-              <a:rPr lang="en-GB" dirty="0"/>
-              <a:t>)</a:t>
-            </a:r>
-            <a:endParaRPr lang="en-GB" dirty="0">
-              <a:solidFill>
-                <a:srgbClr val="0070C0"/>
-              </a:solidFill>
-            </a:endParaRPr>
-          </a:p>
-          <a:p>
-            <a:r>
-              <a:rPr lang="en-GB" dirty="0"/>
-              <a:t>Change directory in </a:t>
-            </a:r>
-            <a:r>
-              <a:rPr lang="en-GB" dirty="0" err="1">
-                <a:solidFill>
-                  <a:srgbClr val="0070C0"/>
-                </a:solidFill>
-              </a:rPr>
-              <a:t>ngs</a:t>
-            </a:r>
-            <a:r>
-              <a:rPr lang="en-GB" dirty="0"/>
-              <a:t> and have a look at what is in here:</a:t>
-            </a:r>
-          </a:p>
-          <a:p>
-            <a:pPr marL="0" indent="0">
-              <a:buNone/>
-            </a:pPr>
-            <a:r>
-              <a:rPr lang="en-GB" dirty="0">
-                <a:solidFill>
-                  <a:srgbClr val="0070C0"/>
-                </a:solidFill>
-              </a:rPr>
-              <a:t>cd </a:t>
-            </a:r>
-            <a:r>
-              <a:rPr lang="en-GB" dirty="0" err="1">
-                <a:solidFill>
-                  <a:srgbClr val="0070C0"/>
-                </a:solidFill>
-              </a:rPr>
-              <a:t>ngs</a:t>
-            </a:r>
-            <a:r>
-              <a:rPr lang="en-GB" dirty="0">
-                <a:solidFill>
-                  <a:srgbClr val="0070C0"/>
-                </a:solidFill>
-              </a:rPr>
-              <a:t>      </a:t>
-            </a:r>
-            <a:r>
-              <a:rPr lang="en-GB" dirty="0"/>
-              <a:t>(tip: use the tab button to auto - complete)</a:t>
-            </a:r>
-          </a:p>
-          <a:p>
-            <a:pPr marL="0" indent="0">
-              <a:buNone/>
-            </a:pPr>
-            <a:r>
-              <a:rPr lang="en-GB" dirty="0">
-                <a:solidFill>
-                  <a:srgbClr val="0070C0"/>
-                </a:solidFill>
-              </a:rPr>
-              <a:t>ls </a:t>
-            </a:r>
-            <a:r>
-              <a:rPr lang="en-GB" dirty="0"/>
-              <a:t>  (see what is in here)</a:t>
-            </a:r>
-          </a:p>
-          <a:p>
-            <a:pPr marL="0" indent="0">
-              <a:buNone/>
-            </a:pPr>
-            <a:r>
-              <a:rPr lang="en-GB" dirty="0" err="1">
-                <a:solidFill>
-                  <a:srgbClr val="0070C0"/>
-                </a:solidFill>
-              </a:rPr>
-              <a:t>ll</a:t>
-            </a:r>
-            <a:r>
-              <a:rPr lang="en-GB" dirty="0">
-                <a:solidFill>
-                  <a:srgbClr val="0070C0"/>
-                </a:solidFill>
-              </a:rPr>
-              <a:t> -l   </a:t>
-            </a:r>
-            <a:r>
-              <a:rPr lang="en-GB" dirty="0"/>
-              <a:t>(more details)</a:t>
-            </a:r>
-          </a:p>
-        </p:txBody>
-      </p:sp>
-      <p:sp>
-        <p:nvSpPr>
-          <p:cNvPr id="4" name="TextBox 3">
-            <a:extLst>
-              <a:ext uri="{FF2B5EF4-FFF2-40B4-BE49-F238E27FC236}">
-                <a16:creationId xmlns:a16="http://schemas.microsoft.com/office/drawing/2014/main" id="{8E0A8CDC-443E-40C5-BE29-795B9D435904}"/>
+            <a:r>
+              <a:rPr lang="en-GB" u="sng" dirty="0">
+                <a:hlinkClick r:id="rId2"/>
+              </a:rPr>
+              <a:t>http://rik.smith-unna.com/command_line_bootcamp/</a:t>
+            </a:r>
+            <a:endParaRPr lang="en-GB" u="sng" dirty="0"/>
+          </a:p>
+          <a:p>
+            <a:r>
+              <a:rPr lang="en-GB" dirty="0"/>
+              <a:t>Keep this link open so you can “play” in any free moments</a:t>
+            </a:r>
+          </a:p>
+        </p:txBody>
+      </p:sp>
+      <p:pic>
+        <p:nvPicPr>
+          <p:cNvPr id="4" name="Picture 3">
+            <a:extLst>
+              <a:ext uri="{FF2B5EF4-FFF2-40B4-BE49-F238E27FC236}">
+                <a16:creationId xmlns:a16="http://schemas.microsoft.com/office/drawing/2014/main" id="{946061F0-A9DA-454D-AAE4-45F08FE2DB21}"/>
+              </a:ext>
+            </a:extLst>
+          </p:cNvPr>
+          <p:cNvPicPr>
+            <a:picLocks noChangeAspect="1"/>
+          </p:cNvPicPr>
+          <p:nvPr/>
+        </p:nvPicPr>
+        <p:blipFill rotWithShape="1">
+          <a:blip r:embed="rId3">
+            <a:extLst>
+              <a:ext uri="{28A0092B-C50C-407E-A947-70E740481C1C}">
+                <a14:useLocalDpi xmlns:a14="http://schemas.microsoft.com/office/drawing/2010/main" val="0"/>
+              </a:ext>
+            </a:extLst>
+          </a:blip>
+          <a:srcRect/>
+          <a:stretch/>
+        </p:blipFill>
+        <p:spPr>
+          <a:xfrm>
+            <a:off x="2165683" y="2309496"/>
+            <a:ext cx="7170822" cy="4396106"/>
+          </a:xfrm>
+          <a:prstGeom prst="rect">
+            <a:avLst/>
+          </a:prstGeom>
+          <a:ln>
+            <a:solidFill>
+              <a:schemeClr val="tx1"/>
+            </a:solidFill>
+          </a:ln>
+        </p:spPr>
+      </p:pic>
+      <p:sp>
+        <p:nvSpPr>
+          <p:cNvPr id="5" name="TextBox 4">
+            <a:extLst>
+              <a:ext uri="{FF2B5EF4-FFF2-40B4-BE49-F238E27FC236}">
+                <a16:creationId xmlns:a16="http://schemas.microsoft.com/office/drawing/2014/main" id="{47A8E60C-FC4B-415F-9D09-BB0823DD659F}"/>
+              </a:ext>
+            </a:extLst>
+          </p:cNvPr>
+          <p:cNvSpPr txBox="1"/>
+          <p:nvPr/>
+        </p:nvSpPr>
+        <p:spPr>
+          <a:xfrm>
+            <a:off x="9667374" y="2518067"/>
+            <a:ext cx="2021305" cy="646331"/>
+          </a:xfrm>
+          <a:prstGeom prst="rect">
+            <a:avLst/>
+          </a:prstGeom>
+          <a:noFill/>
+        </p:spPr>
+        <p:txBody>
+          <a:bodyPr wrap="square" rtlCol="0">
+            <a:spAutoFit/>
+          </a:bodyPr>
+          <a:lstStyle/>
+          <a:p>
+            <a:r>
+              <a:rPr lang="en-GB" dirty="0"/>
+              <a:t>Commands entered here</a:t>
+            </a:r>
+          </a:p>
+        </p:txBody>
+      </p:sp>
+      <p:cxnSp>
+        <p:nvCxnSpPr>
+          <p:cNvPr id="7" name="Straight Arrow Connector 6">
+            <a:extLst>
+              <a:ext uri="{FF2B5EF4-FFF2-40B4-BE49-F238E27FC236}">
+                <a16:creationId xmlns:a16="http://schemas.microsoft.com/office/drawing/2014/main" id="{77A3FB58-4E5A-4509-9232-251D86E56420}"/>
+              </a:ext>
+            </a:extLst>
+          </p:cNvPr>
+          <p:cNvCxnSpPr>
+            <a:cxnSpLocks/>
+          </p:cNvCxnSpPr>
+          <p:nvPr/>
+        </p:nvCxnSpPr>
+        <p:spPr>
+          <a:xfrm flipH="1" flipV="1">
+            <a:off x="7491665" y="2523718"/>
+            <a:ext cx="2089483" cy="282565"/>
+          </a:xfrm>
+          <a:prstGeom prst="straightConnector1">
+            <a:avLst/>
+          </a:prstGeom>
+          <a:ln>
+            <a:tailEnd type="triangle"/>
+          </a:ln>
+        </p:spPr>
+        <p:style>
+          <a:lnRef idx="1">
+            <a:schemeClr val="accent1"/>
+          </a:lnRef>
+          <a:fillRef idx="0">
+            <a:schemeClr val="accent1"/>
+          </a:fillRef>
+          <a:effectRef idx="0">
+            <a:schemeClr val="accent1"/>
+          </a:effectRef>
+          <a:fontRef idx="minor">
+            <a:schemeClr val="tx1"/>
+          </a:fontRef>
+        </p:style>
+      </p:cxnSp>
+      <p:sp>
+        <p:nvSpPr>
+          <p:cNvPr id="8" name="TextBox 7">
+            <a:extLst>
+              <a:ext uri="{FF2B5EF4-FFF2-40B4-BE49-F238E27FC236}">
+                <a16:creationId xmlns:a16="http://schemas.microsoft.com/office/drawing/2014/main" id="{1593E8EE-2852-4675-AB73-D48CDD22BEE7}"/>
+              </a:ext>
+            </a:extLst>
+          </p:cNvPr>
+          <p:cNvSpPr txBox="1"/>
+          <p:nvPr/>
+        </p:nvSpPr>
+        <p:spPr>
+          <a:xfrm>
+            <a:off x="144378" y="4322883"/>
+            <a:ext cx="2021305" cy="369332"/>
+          </a:xfrm>
+          <a:prstGeom prst="rect">
+            <a:avLst/>
+          </a:prstGeom>
+          <a:noFill/>
+        </p:spPr>
+        <p:txBody>
+          <a:bodyPr wrap="square" rtlCol="0">
+            <a:spAutoFit/>
+          </a:bodyPr>
+          <a:lstStyle/>
+          <a:p>
+            <a:r>
+              <a:rPr lang="en-GB" dirty="0"/>
+              <a:t>Tutorial steps</a:t>
+            </a:r>
+          </a:p>
+        </p:txBody>
+      </p:sp>
+      <p:cxnSp>
+        <p:nvCxnSpPr>
+          <p:cNvPr id="10" name="Straight Arrow Connector 9">
+            <a:extLst>
+              <a:ext uri="{FF2B5EF4-FFF2-40B4-BE49-F238E27FC236}">
+                <a16:creationId xmlns:a16="http://schemas.microsoft.com/office/drawing/2014/main" id="{A2B37A54-4CE7-4205-9AE6-B3D4FBBA45DE}"/>
+              </a:ext>
+            </a:extLst>
+          </p:cNvPr>
+          <p:cNvCxnSpPr>
+            <a:cxnSpLocks/>
+          </p:cNvCxnSpPr>
+          <p:nvPr/>
+        </p:nvCxnSpPr>
+        <p:spPr>
+          <a:xfrm>
+            <a:off x="1572126" y="4532851"/>
+            <a:ext cx="689811" cy="55191"/>
+          </a:xfrm>
+          <a:prstGeom prst="straightConnector1">
+            <a:avLst/>
+          </a:prstGeom>
+          <a:ln>
+            <a:tailEnd type="triangle"/>
+          </a:ln>
+        </p:spPr>
+        <p:style>
+          <a:lnRef idx="1">
+            <a:schemeClr val="accent1"/>
+          </a:lnRef>
+          <a:fillRef idx="0">
+            <a:schemeClr val="accent1"/>
+          </a:fillRef>
+          <a:effectRef idx="0">
+            <a:schemeClr val="accent1"/>
+          </a:effectRef>
+          <a:fontRef idx="minor">
+            <a:schemeClr val="tx1"/>
+          </a:fontRef>
+        </p:style>
+      </p:cxnSp>
+      <p:sp>
+        <p:nvSpPr>
+          <p:cNvPr id="13" name="TextBox 12">
+            <a:extLst>
+              <a:ext uri="{FF2B5EF4-FFF2-40B4-BE49-F238E27FC236}">
+                <a16:creationId xmlns:a16="http://schemas.microsoft.com/office/drawing/2014/main" id="{81EE5837-F882-408B-840A-3E4AC6D3F4A8}"/>
+              </a:ext>
+            </a:extLst>
+          </p:cNvPr>
+          <p:cNvSpPr txBox="1"/>
+          <p:nvPr/>
+        </p:nvSpPr>
+        <p:spPr>
+          <a:xfrm>
+            <a:off x="9781674" y="4852272"/>
+            <a:ext cx="2021305" cy="369332"/>
+          </a:xfrm>
+          <a:prstGeom prst="rect">
+            <a:avLst/>
+          </a:prstGeom>
+          <a:noFill/>
+        </p:spPr>
+        <p:txBody>
+          <a:bodyPr wrap="square" rtlCol="0">
+            <a:spAutoFit/>
+          </a:bodyPr>
+          <a:lstStyle/>
+          <a:p>
+            <a:r>
+              <a:rPr lang="en-GB" dirty="0"/>
+              <a:t>Folder and files</a:t>
+            </a:r>
+          </a:p>
+        </p:txBody>
+      </p:sp>
+      <p:cxnSp>
+        <p:nvCxnSpPr>
+          <p:cNvPr id="15" name="Straight Arrow Connector 14">
+            <a:extLst>
+              <a:ext uri="{FF2B5EF4-FFF2-40B4-BE49-F238E27FC236}">
+                <a16:creationId xmlns:a16="http://schemas.microsoft.com/office/drawing/2014/main" id="{E67DEC6D-6B4A-4421-A3D1-F2EB79F0D945}"/>
+              </a:ext>
+            </a:extLst>
+          </p:cNvPr>
+          <p:cNvCxnSpPr/>
+          <p:nvPr/>
+        </p:nvCxnSpPr>
+        <p:spPr>
+          <a:xfrm flipH="1" flipV="1">
+            <a:off x="8448174" y="4860758"/>
+            <a:ext cx="1219200" cy="88231"/>
+          </a:xfrm>
+          <a:prstGeom prst="straightConnector1">
+            <a:avLst/>
+          </a:prstGeom>
+          <a:ln>
+            <a:tailEnd type="triangle"/>
+          </a:ln>
+        </p:spPr>
+        <p:style>
+          <a:lnRef idx="1">
+            <a:schemeClr val="accent1"/>
+          </a:lnRef>
+          <a:fillRef idx="0">
+            <a:schemeClr val="accent1"/>
+          </a:fillRef>
+          <a:effectRef idx="0">
+            <a:schemeClr val="accent1"/>
+          </a:effectRef>
+          <a:fontRef idx="minor">
+            <a:schemeClr val="tx1"/>
+          </a:fontRef>
+        </p:style>
+      </p:cxnSp>
+      <p:sp>
+        <p:nvSpPr>
+          <p:cNvPr id="16" name="TextBox 15">
+            <a:extLst>
+              <a:ext uri="{FF2B5EF4-FFF2-40B4-BE49-F238E27FC236}">
+                <a16:creationId xmlns:a16="http://schemas.microsoft.com/office/drawing/2014/main" id="{484DD4C2-F19F-46E6-8C66-2EC9E0BFC352}"/>
               </a:ext>
             </a:extLst>
           </p:cNvPr>
@@ -6622,92 +6696,10 @@
           </a:p>
         </p:txBody>
       </p:sp>
-      <p:pic>
-        <p:nvPicPr>
-          <p:cNvPr id="6" name="Picture 5">
-            <a:extLst>
-              <a:ext uri="{FF2B5EF4-FFF2-40B4-BE49-F238E27FC236}">
-                <a16:creationId xmlns:a16="http://schemas.microsoft.com/office/drawing/2014/main" id="{ACA96A82-0F54-4E6D-9D90-815E82298059}"/>
-              </a:ext>
-            </a:extLst>
-          </p:cNvPr>
-          <p:cNvPicPr>
-            <a:picLocks noChangeAspect="1"/>
-          </p:cNvPicPr>
-          <p:nvPr/>
-        </p:nvPicPr>
-        <p:blipFill rotWithShape="1">
-          <a:blip r:embed="rId2">
-            <a:extLst>
-              <a:ext uri="{28A0092B-C50C-407E-A947-70E740481C1C}">
-                <a14:useLocalDpi xmlns:a14="http://schemas.microsoft.com/office/drawing/2010/main" val="0"/>
-              </a:ext>
-            </a:extLst>
-          </a:blip>
-          <a:srcRect/>
-          <a:stretch/>
-        </p:blipFill>
-        <p:spPr>
-          <a:xfrm>
-            <a:off x="5629275" y="2939282"/>
-            <a:ext cx="6089650" cy="3918718"/>
-          </a:xfrm>
-          <a:prstGeom prst="rect">
-            <a:avLst/>
-          </a:prstGeom>
-        </p:spPr>
-      </p:pic>
-      <p:sp>
-        <p:nvSpPr>
-          <p:cNvPr id="5" name="Rectangle 4">
-            <a:extLst>
-              <a:ext uri="{FF2B5EF4-FFF2-40B4-BE49-F238E27FC236}">
-                <a16:creationId xmlns:a16="http://schemas.microsoft.com/office/drawing/2014/main" id="{F30289E7-AFD1-4447-9D64-1B10D9D95569}"/>
-              </a:ext>
-            </a:extLst>
-          </p:cNvPr>
-          <p:cNvSpPr/>
-          <p:nvPr/>
-        </p:nvSpPr>
-        <p:spPr>
-          <a:xfrm>
-            <a:off x="158750" y="1403684"/>
-            <a:ext cx="4308976" cy="537411"/>
-          </a:xfrm>
-          <a:prstGeom prst="rect">
-            <a:avLst/>
-          </a:prstGeom>
-          <a:noFill/>
-        </p:spPr>
-        <p:style>
-          <a:lnRef idx="2">
-            <a:schemeClr val="accent1">
-              <a:shade val="50000"/>
-            </a:schemeClr>
-          </a:lnRef>
-          <a:fillRef idx="1">
-            <a:schemeClr val="accent1"/>
-          </a:fillRef>
-          <a:effectRef idx="0">
-            <a:schemeClr val="accent1"/>
-          </a:effectRef>
-          <a:fontRef idx="minor">
-            <a:schemeClr val="lt1"/>
-          </a:fontRef>
-        </p:style>
-        <p:txBody>
-          <a:bodyPr rtlCol="0" anchor="ctr"/>
-          <a:lstStyle/>
-          <a:p>
-            <a:pPr algn="ctr"/>
-            <a:endParaRPr lang="en-GB" dirty="0"/>
-          </a:p>
-        </p:txBody>
-      </p:sp>
     </p:spTree>
     <p:extLst>
       <p:ext uri="{BB962C8B-B14F-4D97-AF65-F5344CB8AC3E}">
-        <p14:creationId xmlns:p14="http://schemas.microsoft.com/office/powerpoint/2010/main" val="1362245951"/>
+        <p14:creationId xmlns:p14="http://schemas.microsoft.com/office/powerpoint/2010/main" val="277890894"/>
       </p:ext>
     </p:extLst>
   </p:cSld>
@@ -6814,14 +6806,12 @@
         </p:nvSpPr>
         <p:spPr>
           <a:xfrm>
-            <a:off x="158750" y="393219"/>
-            <a:ext cx="10941050" cy="4569305"/>
-          </a:xfrm>
-        </p:spPr>
-        <p:txBody>
-          <a:bodyPr>
-            <a:normAutofit lnSpcReduction="10000"/>
-          </a:bodyPr>
+            <a:off x="158750" y="393220"/>
+            <a:ext cx="10941050" cy="4351338"/>
+          </a:xfrm>
+        </p:spPr>
+        <p:txBody>
+          <a:bodyPr/>
           <a:lstStyle/>
           <a:p>
             <a:pPr marL="0" indent="0">
@@ -6838,7 +6828,7 @@
             </a:pPr>
             <a:r>
               <a:rPr lang="en-GB" dirty="0"/>
-              <a:t>Lets copy the training files to your home directory:</a:t>
+              <a:t>Lets copy the training files to your home directory (no spaces in paths):</a:t>
             </a:r>
           </a:p>
           <a:p>
@@ -6846,12 +6836,20 @@
               <a:buNone/>
             </a:pPr>
             <a:r>
+              <a:rPr lang="en-GB" dirty="0">
+                <a:solidFill>
+                  <a:srgbClr val="0070C0"/>
+                </a:solidFill>
+              </a:rPr>
+              <a:t>cp -</a:t>
+            </a:r>
+            <a:r>
               <a:rPr lang="en-GB" dirty="0" err="1">
                 <a:solidFill>
                   <a:srgbClr val="0070C0"/>
                 </a:solidFill>
               </a:rPr>
-              <a:t>cp</a:t>
+              <a:t>rv</a:t>
             </a:r>
             <a:r>
               <a:rPr lang="en-GB" dirty="0">
@@ -6859,7 +6857,7 @@
                   <a:srgbClr val="0070C0"/>
                 </a:solidFill>
               </a:rPr>
-              <a:t> -</a:t>
+              <a:t> /shelf/training/ ~/</a:t>
             </a:r>
             <a:r>
               <a:rPr lang="en-GB" dirty="0" err="1">
@@ -6867,7 +6865,7 @@
                   <a:srgbClr val="0070C0"/>
                 </a:solidFill>
               </a:rPr>
-              <a:t>rv</a:t>
+              <a:t>ngs</a:t>
             </a:r>
             <a:r>
               <a:rPr lang="en-GB" dirty="0">
@@ -6875,15 +6873,35 @@
                   <a:srgbClr val="0070C0"/>
                 </a:solidFill>
               </a:rPr>
-              <a:t> /shelf/training/ ~/</a:t>
-            </a:r>
-            <a:r>
-              <a:rPr lang="en-GB" dirty="0" err="1">
-                <a:solidFill>
-                  <a:srgbClr val="0070C0"/>
-                </a:solidFill>
-              </a:rPr>
-              <a:t>ngs</a:t>
+              <a:t>	   </a:t>
+            </a:r>
+            <a:r>
+              <a:rPr lang="en-GB" dirty="0"/>
+              <a:t>(tip: </a:t>
+            </a:r>
+            <a:r>
+              <a:rPr lang="en-GB" dirty="0">
+                <a:solidFill>
+                  <a:srgbClr val="FF0000"/>
+                </a:solidFill>
+              </a:rPr>
+              <a:t>~</a:t>
+            </a:r>
+            <a:r>
+              <a:rPr lang="en-GB" dirty="0"/>
+              <a:t> is the same as </a:t>
+            </a:r>
+            <a:r>
+              <a:rPr lang="en-GB" dirty="0">
+                <a:solidFill>
+                  <a:srgbClr val="FF0000"/>
+                </a:solidFill>
+              </a:rPr>
+              <a:t>$HOME</a:t>
+            </a:r>
+            <a:r>
+              <a:rPr lang="en-GB" dirty="0"/>
+              <a:t>)</a:t>
             </a:r>
             <a:endParaRPr lang="en-GB" dirty="0">
               <a:solidFill>
@@ -6892,38 +6910,84 @@
             </a:endParaRPr>
           </a:p>
           <a:p>
+            <a:r>
+              <a:rPr lang="en-GB" dirty="0"/>
+              <a:t>Change directory in </a:t>
+            </a:r>
+            <a:r>
+              <a:rPr lang="en-GB" dirty="0" err="1">
+                <a:solidFill>
+                  <a:srgbClr val="0070C0"/>
+                </a:solidFill>
+              </a:rPr>
+              <a:t>ngs</a:t>
+            </a:r>
+            <a:r>
+              <a:rPr lang="en-GB" dirty="0"/>
+              <a:t> and have a look at what is in here:</a:t>
+            </a:r>
+          </a:p>
+          <a:p>
             <a:pPr marL="0" indent="0">
               <a:buNone/>
             </a:pPr>
-            <a:endParaRPr lang="en-GB" dirty="0">
-              <a:solidFill>
-                <a:srgbClr val="0070C0"/>
-              </a:solidFill>
-            </a:endParaRPr>
+            <a:r>
+              <a:rPr lang="en-GB" dirty="0">
+                <a:solidFill>
+                  <a:srgbClr val="0070C0"/>
+                </a:solidFill>
+              </a:rPr>
+              <a:t>cd </a:t>
+            </a:r>
+            <a:r>
+              <a:rPr lang="en-GB" dirty="0" err="1">
+                <a:solidFill>
+                  <a:srgbClr val="0070C0"/>
+                </a:solidFill>
+              </a:rPr>
+              <a:t>ngs</a:t>
+            </a:r>
+            <a:r>
+              <a:rPr lang="en-GB" dirty="0">
+                <a:solidFill>
+                  <a:srgbClr val="0070C0"/>
+                </a:solidFill>
+              </a:rPr>
+              <a:t>      </a:t>
+            </a:r>
+            <a:r>
+              <a:rPr lang="en-GB" dirty="0"/>
+              <a:t>(tip: use the tab button to auto - complete)</a:t>
+            </a:r>
           </a:p>
           <a:p>
             <a:pPr marL="0" indent="0">
               <a:buNone/>
             </a:pPr>
             <a:r>
-              <a:rPr lang="en-GB" i="1" dirty="0">
-                <a:solidFill>
-                  <a:srgbClr val="FF0000"/>
-                </a:solidFill>
-              </a:rPr>
-              <a:t>“Drag and drop” </a:t>
-            </a:r>
-            <a:r>
               <a:rPr lang="en-GB" dirty="0">
                 <a:solidFill>
-                  <a:srgbClr val="FF0000"/>
-                </a:solidFill>
-              </a:rPr>
-              <a:t>way</a:t>
-            </a:r>
-            <a:r>
-              <a:rPr lang="en-GB" dirty="0"/>
-              <a:t>: go into the </a:t>
+                  <a:srgbClr val="0070C0"/>
+                </a:solidFill>
+              </a:rPr>
+              <a:t>ls </a:t>
+            </a:r>
+            <a:r>
+              <a:rPr lang="en-GB" dirty="0"/>
+              <a:t>  (see what is in here)</a:t>
+            </a:r>
+          </a:p>
+          <a:p>
+            <a:pPr marL="0" indent="0">
+              <a:buNone/>
+            </a:pPr>
+            <a:r>
+              <a:rPr lang="en-GB" dirty="0" err="1">
+                <a:solidFill>
+                  <a:srgbClr val="0070C0"/>
+                </a:solidFill>
+              </a:rPr>
+              <a:t>ll</a:t>
             </a:r>
             <a:r>
               <a:rPr lang="en-GB" dirty="0">
@@ -6931,79 +6995,11 @@
                   <a:srgbClr val="0070C0"/>
                 </a:solidFill>
               </a:rPr>
-              <a:t>~/</a:t>
-            </a:r>
-            <a:r>
-              <a:rPr lang="en-GB" dirty="0" err="1">
-                <a:solidFill>
-                  <a:srgbClr val="0070C0"/>
-                </a:solidFill>
-              </a:rPr>
-              <a:t>ngs</a:t>
-            </a:r>
-            <a:r>
-              <a:rPr lang="en-GB" dirty="0">
-                <a:solidFill>
-                  <a:srgbClr val="0070C0"/>
-                </a:solidFill>
-              </a:rPr>
-              <a:t>/</a:t>
-            </a:r>
-            <a:r>
-              <a:rPr lang="en-GB" dirty="0" err="1">
-                <a:solidFill>
-                  <a:srgbClr val="0070C0"/>
-                </a:solidFill>
-              </a:rPr>
-              <a:t>powerpoint</a:t>
-            </a:r>
-            <a:r>
-              <a:rPr lang="en-GB" dirty="0">
-                <a:solidFill>
-                  <a:srgbClr val="0070C0"/>
-                </a:solidFill>
-              </a:rPr>
-              <a:t> </a:t>
-            </a:r>
-            <a:r>
-              <a:rPr lang="en-GB" dirty="0"/>
-              <a:t>folder (double click in the left file browser window). (TIP: if you don’t see the files, press refresh or F5)</a:t>
-            </a:r>
-          </a:p>
-          <a:p>
-            <a:pPr marL="0" indent="0">
-              <a:buNone/>
-            </a:pPr>
-            <a:endParaRPr lang="en-GB" dirty="0"/>
-          </a:p>
-          <a:p>
-            <a:pPr marL="0" indent="0">
-              <a:buNone/>
-            </a:pPr>
-            <a:r>
-              <a:rPr lang="en-GB" dirty="0"/>
-              <a:t>Then </a:t>
-            </a:r>
-            <a:r>
-              <a:rPr lang="en-GB" dirty="0">
-                <a:solidFill>
-                  <a:srgbClr val="FF0000"/>
-                </a:solidFill>
-              </a:rPr>
-              <a:t>drag and drop </a:t>
-            </a:r>
-            <a:r>
-              <a:rPr lang="en-GB" dirty="0"/>
-              <a:t>the files </a:t>
-            </a:r>
-          </a:p>
-          <a:p>
-            <a:pPr marL="0" indent="0">
-              <a:buNone/>
-            </a:pPr>
-            <a:r>
-              <a:rPr lang="en-GB" dirty="0"/>
-              <a:t>to your computer. </a:t>
+              <a:t> -l   </a:t>
+            </a:r>
+            <a:r>
+              <a:rPr lang="en-GB" dirty="0"/>
+              <a:t>(more details)</a:t>
             </a:r>
           </a:p>
         </p:txBody>
@@ -7058,6 +7054,41 @@
           </a:p>
         </p:txBody>
       </p:sp>
+      <p:pic>
+        <p:nvPicPr>
+          <p:cNvPr id="6" name="Picture 5">
+            <a:extLst>
+              <a:ext uri="{FF2B5EF4-FFF2-40B4-BE49-F238E27FC236}">
+                <a16:creationId xmlns:a16="http://schemas.microsoft.com/office/drawing/2014/main" id="{ACA96A82-0F54-4E6D-9D90-815E82298059}"/>
+              </a:ext>
+            </a:extLst>
+          </p:cNvPr>
+          <p:cNvPicPr>
+            <a:picLocks noChangeAspect="1"/>
+          </p:cNvPicPr>
+          <p:nvPr/>
+        </p:nvPicPr>
+        <p:blipFill rotWithShape="1">
+          <a:blip r:embed="rId2">
+            <a:extLst>
+              <a:ext uri="{28A0092B-C50C-407E-A947-70E740481C1C}">
+                <a14:useLocalDpi xmlns:a14="http://schemas.microsoft.com/office/drawing/2010/main" val="0"/>
+              </a:ext>
+            </a:extLst>
+          </a:blip>
+          <a:srcRect/>
+          <a:stretch/>
+        </p:blipFill>
+        <p:spPr>
+          <a:xfrm>
+            <a:off x="5629275" y="2939282"/>
+            <a:ext cx="6089650" cy="3918718"/>
+          </a:xfrm>
+          <a:prstGeom prst="rect">
+            <a:avLst/>
+          </a:prstGeom>
+        </p:spPr>
+      </p:pic>
       <p:sp>
         <p:nvSpPr>
           <p:cNvPr id="5" name="Rectangle 4">
@@ -7105,175 +7136,10 @@
           </a:p>
         </p:txBody>
       </p:sp>
-      <p:pic>
-        <p:nvPicPr>
-          <p:cNvPr id="7" name="Picture 6">
-            <a:extLst>
-              <a:ext uri="{FF2B5EF4-FFF2-40B4-BE49-F238E27FC236}">
-                <a16:creationId xmlns:a16="http://schemas.microsoft.com/office/drawing/2014/main" id="{97654B2C-EBCD-4D13-8CA7-6B856734BC89}"/>
-              </a:ext>
-            </a:extLst>
-          </p:cNvPr>
-          <p:cNvPicPr>
-            <a:picLocks noChangeAspect="1"/>
-          </p:cNvPicPr>
-          <p:nvPr/>
-        </p:nvPicPr>
-        <p:blipFill rotWithShape="1">
-          <a:blip r:embed="rId2">
-            <a:extLst>
-              <a:ext uri="{28A0092B-C50C-407E-A947-70E740481C1C}">
-                <a14:useLocalDpi xmlns:a14="http://schemas.microsoft.com/office/drawing/2010/main" val="0"/>
-              </a:ext>
-            </a:extLst>
-          </a:blip>
-          <a:srcRect/>
-          <a:stretch/>
-        </p:blipFill>
-        <p:spPr>
-          <a:xfrm>
-            <a:off x="5991224" y="4058227"/>
-            <a:ext cx="6042025" cy="2792751"/>
-          </a:xfrm>
-          <a:prstGeom prst="rect">
-            <a:avLst/>
-          </a:prstGeom>
-          <a:ln>
-            <a:solidFill>
-              <a:schemeClr val="accent1"/>
-            </a:solidFill>
-          </a:ln>
-        </p:spPr>
-      </p:pic>
-      <p:sp>
-        <p:nvSpPr>
-          <p:cNvPr id="8" name="Arrow: Left 7">
-            <a:extLst>
-              <a:ext uri="{FF2B5EF4-FFF2-40B4-BE49-F238E27FC236}">
-                <a16:creationId xmlns:a16="http://schemas.microsoft.com/office/drawing/2014/main" id="{B0DE982A-3B66-4EA4-87FD-094C8A14680B}"/>
-              </a:ext>
-            </a:extLst>
-          </p:cNvPr>
-          <p:cNvSpPr/>
-          <p:nvPr/>
-        </p:nvSpPr>
-        <p:spPr>
-          <a:xfrm>
-            <a:off x="5265570" y="5589636"/>
-            <a:ext cx="922421" cy="393219"/>
-          </a:xfrm>
-          <a:prstGeom prst="leftArrow">
-            <a:avLst/>
-          </a:prstGeom>
-        </p:spPr>
-        <p:style>
-          <a:lnRef idx="2">
-            <a:schemeClr val="accent1">
-              <a:shade val="50000"/>
-            </a:schemeClr>
-          </a:lnRef>
-          <a:fillRef idx="1">
-            <a:schemeClr val="accent1"/>
-          </a:fillRef>
-          <a:effectRef idx="0">
-            <a:schemeClr val="accent1"/>
-          </a:effectRef>
-          <a:fontRef idx="minor">
-            <a:schemeClr val="lt1"/>
-          </a:fontRef>
-        </p:style>
-        <p:txBody>
-          <a:bodyPr rtlCol="0" anchor="ctr"/>
-          <a:lstStyle/>
-          <a:p>
-            <a:pPr algn="ctr"/>
-            <a:endParaRPr lang="en-GB"/>
-          </a:p>
-        </p:txBody>
-      </p:sp>
-      <p:sp>
-        <p:nvSpPr>
-          <p:cNvPr id="10" name="Left Bracket 9">
-            <a:extLst>
-              <a:ext uri="{FF2B5EF4-FFF2-40B4-BE49-F238E27FC236}">
-                <a16:creationId xmlns:a16="http://schemas.microsoft.com/office/drawing/2014/main" id="{2B3C0A87-A4DB-4BFE-99FC-6682DD89D412}"/>
-              </a:ext>
-            </a:extLst>
-          </p:cNvPr>
-          <p:cNvSpPr/>
-          <p:nvPr/>
-        </p:nvSpPr>
-        <p:spPr>
-          <a:xfrm>
-            <a:off x="6282892" y="5237744"/>
-            <a:ext cx="45719" cy="1379621"/>
-          </a:xfrm>
-          <a:prstGeom prst="leftBracket">
-            <a:avLst/>
-          </a:prstGeom>
-        </p:spPr>
-        <p:style>
-          <a:lnRef idx="1">
-            <a:schemeClr val="accent1"/>
-          </a:lnRef>
-          <a:fillRef idx="0">
-            <a:schemeClr val="accent1"/>
-          </a:fillRef>
-          <a:effectRef idx="0">
-            <a:schemeClr val="accent1"/>
-          </a:effectRef>
-          <a:fontRef idx="minor">
-            <a:schemeClr val="tx1"/>
-          </a:fontRef>
-        </p:style>
-        <p:txBody>
-          <a:bodyPr rtlCol="0" anchor="ctr"/>
-          <a:lstStyle/>
-          <a:p>
-            <a:pPr algn="ctr"/>
-            <a:endParaRPr lang="en-GB"/>
-          </a:p>
-        </p:txBody>
-      </p:sp>
-      <p:sp>
-        <p:nvSpPr>
-          <p:cNvPr id="11" name="TextBox 10">
-            <a:extLst>
-              <a:ext uri="{FF2B5EF4-FFF2-40B4-BE49-F238E27FC236}">
-                <a16:creationId xmlns:a16="http://schemas.microsoft.com/office/drawing/2014/main" id="{75BBA87C-80DB-4689-9AA7-6F2697CE72B3}"/>
-              </a:ext>
-            </a:extLst>
-          </p:cNvPr>
-          <p:cNvSpPr txBox="1"/>
-          <p:nvPr/>
-        </p:nvSpPr>
-        <p:spPr>
-          <a:xfrm>
-            <a:off x="158750" y="6071937"/>
-            <a:ext cx="4734092" cy="646331"/>
-          </a:xfrm>
-          <a:prstGeom prst="rect">
-            <a:avLst/>
-          </a:prstGeom>
-          <a:noFill/>
-        </p:spPr>
-        <p:txBody>
-          <a:bodyPr wrap="square" rtlCol="0">
-            <a:spAutoFit/>
-          </a:bodyPr>
-          <a:lstStyle/>
-          <a:p>
-            <a:r>
-              <a:rPr lang="en-GB" dirty="0"/>
-              <a:t>*Remember this is an option throughout this course</a:t>
-            </a:r>
-          </a:p>
-        </p:txBody>
-      </p:sp>
     </p:spTree>
     <p:extLst>
       <p:ext uri="{BB962C8B-B14F-4D97-AF65-F5344CB8AC3E}">
-        <p14:creationId xmlns:p14="http://schemas.microsoft.com/office/powerpoint/2010/main" val="1791962330"/>
+        <p14:creationId xmlns:p14="http://schemas.microsoft.com/office/powerpoint/2010/main" val="1362245951"/>
       </p:ext>
     </p:extLst>
   </p:cSld>
@@ -7318,7 +7184,7 @@
         </p:nvSpPr>
         <p:spPr>
           <a:xfrm>
-            <a:off x="371475" y="-103695"/>
+            <a:off x="371475" y="-370395"/>
             <a:ext cx="10515600" cy="1325563"/>
           </a:xfrm>
         </p:spPr>
@@ -7333,77 +7199,222 @@
                   <a:srgbClr val="7030A0"/>
                 </a:solidFill>
               </a:rPr>
-              <a:t>3) Basic UNIX: </a:t>
-            </a:r>
-            <a:r>
-              <a:rPr lang="en-GB" u="sng" dirty="0">
+              <a:t>3) Basic UNIX: Copy files </a:t>
+            </a:r>
+            <a:r>
+              <a:rPr lang="en-GB" dirty="0"/>
+              <a:t>(</a:t>
+            </a:r>
+            <a:r>
+              <a:rPr lang="en-GB" dirty="0" err="1">
+                <a:solidFill>
+                  <a:srgbClr val="0070C0"/>
+                </a:solidFill>
+              </a:rPr>
+              <a:t>cp</a:t>
+            </a:r>
+            <a:r>
+              <a:rPr lang="en-GB" dirty="0"/>
+              <a:t>) </a:t>
+            </a:r>
+            <a:r>
+              <a:rPr lang="en-GB" dirty="0">
+                <a:solidFill>
+                  <a:srgbClr val="7030A0"/>
+                </a:solidFill>
+              </a:rPr>
+              <a:t>for training</a:t>
+            </a:r>
+          </a:p>
+        </p:txBody>
+      </p:sp>
+      <p:sp>
+        <p:nvSpPr>
+          <p:cNvPr id="3" name="Content Placeholder 2">
+            <a:extLst>
+              <a:ext uri="{FF2B5EF4-FFF2-40B4-BE49-F238E27FC236}">
+                <a16:creationId xmlns:a16="http://schemas.microsoft.com/office/drawing/2014/main" id="{FD6D57D2-A71D-429F-8277-8464BDFC79B9}"/>
+              </a:ext>
+            </a:extLst>
+          </p:cNvPr>
+          <p:cNvSpPr>
+            <a:spLocks noGrp="1"/>
+          </p:cNvSpPr>
+          <p:nvPr>
+            <p:ph idx="1"/>
+          </p:nvPr>
+        </p:nvSpPr>
+        <p:spPr>
+          <a:xfrm>
+            <a:off x="158750" y="393219"/>
+            <a:ext cx="10941050" cy="4569305"/>
+          </a:xfrm>
+        </p:spPr>
+        <p:txBody>
+          <a:bodyPr>
+            <a:normAutofit lnSpcReduction="10000"/>
+          </a:bodyPr>
+          <a:lstStyle/>
+          <a:p>
+            <a:pPr marL="0" indent="0">
+              <a:buNone/>
+            </a:pPr>
+            <a:r>
+              <a:rPr lang="en-GB" dirty="0"/>
+              <a:t> </a:t>
+            </a:r>
+          </a:p>
+          <a:p>
+            <a:pPr marL="0" indent="0">
+              <a:buNone/>
+            </a:pPr>
+            <a:r>
+              <a:rPr lang="en-GB" dirty="0"/>
+              <a:t>Lets copy the training files to your home directory:</a:t>
+            </a:r>
+          </a:p>
+          <a:p>
+            <a:pPr marL="0" indent="0">
+              <a:buNone/>
+            </a:pPr>
+            <a:r>
+              <a:rPr lang="en-GB" dirty="0" err="1">
+                <a:solidFill>
+                  <a:srgbClr val="0070C0"/>
+                </a:solidFill>
+              </a:rPr>
+              <a:t>cp</a:t>
+            </a:r>
+            <a:r>
+              <a:rPr lang="en-GB" dirty="0">
+                <a:solidFill>
+                  <a:srgbClr val="0070C0"/>
+                </a:solidFill>
+              </a:rPr>
+              <a:t> -</a:t>
+            </a:r>
+            <a:r>
+              <a:rPr lang="en-GB" dirty="0" err="1">
+                <a:solidFill>
+                  <a:srgbClr val="0070C0"/>
+                </a:solidFill>
+              </a:rPr>
+              <a:t>rv</a:t>
+            </a:r>
+            <a:r>
+              <a:rPr lang="en-GB" dirty="0">
+                <a:solidFill>
+                  <a:srgbClr val="0070C0"/>
+                </a:solidFill>
+              </a:rPr>
+              <a:t> /shelf/training/ ~/</a:t>
+            </a:r>
+            <a:r>
+              <a:rPr lang="en-GB" dirty="0" err="1">
+                <a:solidFill>
+                  <a:srgbClr val="0070C0"/>
+                </a:solidFill>
+              </a:rPr>
+              <a:t>ngs</a:t>
+            </a:r>
+            <a:endParaRPr lang="en-GB" dirty="0">
+              <a:solidFill>
+                <a:srgbClr val="0070C0"/>
+              </a:solidFill>
+            </a:endParaRPr>
+          </a:p>
+          <a:p>
+            <a:pPr marL="0" indent="0">
+              <a:buNone/>
+            </a:pPr>
+            <a:endParaRPr lang="en-GB" dirty="0">
+              <a:solidFill>
+                <a:srgbClr val="0070C0"/>
+              </a:solidFill>
+            </a:endParaRPr>
+          </a:p>
+          <a:p>
+            <a:pPr marL="0" indent="0">
+              <a:buNone/>
+            </a:pPr>
+            <a:r>
+              <a:rPr lang="en-GB" i="1" dirty="0">
                 <a:solidFill>
                   <a:srgbClr val="FF0000"/>
                 </a:solidFill>
               </a:rPr>
-              <a:t>tab button</a:t>
+              <a:t>“Drag and drop” </a:t>
             </a:r>
             <a:r>
               <a:rPr lang="en-GB" dirty="0">
                 <a:solidFill>
-                  <a:srgbClr val="7030A0"/>
-                </a:solidFill>
-              </a:rPr>
-              <a:t>, auto complete</a:t>
-            </a:r>
-          </a:p>
-        </p:txBody>
-      </p:sp>
-      <p:sp>
-        <p:nvSpPr>
-          <p:cNvPr id="3" name="Content Placeholder 2">
-            <a:extLst>
-              <a:ext uri="{FF2B5EF4-FFF2-40B4-BE49-F238E27FC236}">
-                <a16:creationId xmlns:a16="http://schemas.microsoft.com/office/drawing/2014/main" id="{FD6D57D2-A71D-429F-8277-8464BDFC79B9}"/>
-              </a:ext>
-            </a:extLst>
-          </p:cNvPr>
-          <p:cNvSpPr>
-            <a:spLocks noGrp="1"/>
-          </p:cNvSpPr>
-          <p:nvPr>
-            <p:ph idx="1"/>
-          </p:nvPr>
-        </p:nvSpPr>
-        <p:spPr>
-          <a:xfrm>
-            <a:off x="158750" y="659920"/>
-            <a:ext cx="10941050" cy="4351338"/>
-          </a:xfrm>
-        </p:spPr>
-        <p:txBody>
-          <a:bodyPr/>
-          <a:lstStyle/>
+                  <a:srgbClr val="FF0000"/>
+                </a:solidFill>
+              </a:rPr>
+              <a:t>way</a:t>
+            </a:r>
+            <a:r>
+              <a:rPr lang="en-GB" dirty="0"/>
+              <a:t>: go into the </a:t>
+            </a:r>
+            <a:r>
+              <a:rPr lang="en-GB" dirty="0">
+                <a:solidFill>
+                  <a:srgbClr val="0070C0"/>
+                </a:solidFill>
+              </a:rPr>
+              <a:t>~/</a:t>
+            </a:r>
+            <a:r>
+              <a:rPr lang="en-GB" dirty="0" err="1">
+                <a:solidFill>
+                  <a:srgbClr val="0070C0"/>
+                </a:solidFill>
+              </a:rPr>
+              <a:t>ngs</a:t>
+            </a:r>
+            <a:r>
+              <a:rPr lang="en-GB" dirty="0">
+                <a:solidFill>
+                  <a:srgbClr val="0070C0"/>
+                </a:solidFill>
+              </a:rPr>
+              <a:t>/</a:t>
+            </a:r>
+            <a:r>
+              <a:rPr lang="en-GB" dirty="0" err="1">
+                <a:solidFill>
+                  <a:srgbClr val="0070C0"/>
+                </a:solidFill>
+              </a:rPr>
+              <a:t>powerpoint</a:t>
+            </a:r>
+            <a:r>
+              <a:rPr lang="en-GB" dirty="0">
+                <a:solidFill>
+                  <a:srgbClr val="0070C0"/>
+                </a:solidFill>
+              </a:rPr>
+              <a:t> </a:t>
+            </a:r>
+            <a:r>
+              <a:rPr lang="en-GB" dirty="0"/>
+              <a:t>folder (double click in the left file browser window). (TIP: if you don’t see the files, press refresh or F5)</a:t>
+            </a:r>
+          </a:p>
           <a:p>
             <a:pPr marL="0" indent="0">
               <a:buNone/>
             </a:pPr>
-            <a:r>
-              <a:rPr lang="en-GB" dirty="0"/>
-              <a:t> </a:t>
-            </a:r>
-          </a:p>
-          <a:p>
-            <a:r>
-              <a:rPr lang="en-GB" dirty="0"/>
-              <a:t>When you start typing the name of a file or folder.</a:t>
-            </a:r>
-          </a:p>
-          <a:p>
-            <a:r>
-              <a:rPr lang="en-GB" dirty="0"/>
-              <a:t>Instead of writing it correctly every time, which no one can do. </a:t>
-            </a:r>
-          </a:p>
-          <a:p>
-            <a:r>
-              <a:rPr lang="en-GB" dirty="0"/>
-              <a:t>Start typing the name and </a:t>
+            <a:endParaRPr lang="en-GB" dirty="0"/>
+          </a:p>
+          <a:p>
+            <a:pPr marL="0" indent="0">
+              <a:buNone/>
+            </a:pPr>
+            <a:r>
+              <a:rPr lang="en-GB" dirty="0"/>
+              <a:t>Then </a:t>
             </a:r>
             <a:r>
               <a:rPr lang="en-GB" dirty="0">
@@ -7411,35 +7422,20 @@
                   <a:srgbClr val="FF0000"/>
                 </a:solidFill>
               </a:rPr>
-              <a:t>press the tab button</a:t>
-            </a:r>
-            <a:r>
-              <a:rPr lang="en-GB" dirty="0"/>
-              <a:t>. </a:t>
-            </a:r>
-          </a:p>
-          <a:p>
-            <a:r>
-              <a:rPr lang="en-GB" dirty="0"/>
-              <a:t>If it does not </a:t>
-            </a:r>
-            <a:r>
-              <a:rPr lang="en-GB" dirty="0">
-                <a:solidFill>
-                  <a:srgbClr val="FF0000"/>
-                </a:solidFill>
-              </a:rPr>
-              <a:t>auto complete</a:t>
-            </a:r>
-            <a:r>
-              <a:rPr lang="en-GB" dirty="0"/>
-              <a:t>, then the spelling is wrong, it is not in the directory you are looking at, or there are multiple other reasons. </a:t>
-            </a:r>
-          </a:p>
-          <a:p>
-            <a:r>
-              <a:rPr lang="en-GB" dirty="0"/>
-              <a:t>Press the tab key twice to see all the possible options…. </a:t>
+              <a:t>drag and drop </a:t>
+            </a:r>
+            <a:r>
+              <a:rPr lang="en-GB" dirty="0"/>
+              <a:t>the files </a:t>
+            </a:r>
+          </a:p>
+          <a:p>
+            <a:pPr marL="0" indent="0">
+              <a:buNone/>
+            </a:pPr>
+            <a:r>
+              <a:rPr lang="en-GB" dirty="0"/>
+              <a:t>to your computer. </a:t>
             </a:r>
           </a:p>
         </p:txBody>
@@ -7494,10 +7490,222 @@
           </a:p>
         </p:txBody>
       </p:sp>
+      <p:sp>
+        <p:nvSpPr>
+          <p:cNvPr id="5" name="Rectangle 4">
+            <a:extLst>
+              <a:ext uri="{FF2B5EF4-FFF2-40B4-BE49-F238E27FC236}">
+                <a16:creationId xmlns:a16="http://schemas.microsoft.com/office/drawing/2014/main" id="{F30289E7-AFD1-4447-9D64-1B10D9D95569}"/>
+              </a:ext>
+            </a:extLst>
+          </p:cNvPr>
+          <p:cNvSpPr/>
+          <p:nvPr/>
+        </p:nvSpPr>
+        <p:spPr>
+          <a:xfrm>
+            <a:off x="158750" y="1261641"/>
+            <a:ext cx="4308976" cy="537411"/>
+          </a:xfrm>
+          <a:prstGeom prst="rect">
+            <a:avLst/>
+          </a:prstGeom>
+          <a:noFill/>
+        </p:spPr>
+        <p:style>
+          <a:lnRef idx="2">
+            <a:schemeClr val="accent1">
+              <a:shade val="50000"/>
+            </a:schemeClr>
+          </a:lnRef>
+          <a:fillRef idx="1">
+            <a:schemeClr val="accent1"/>
+          </a:fillRef>
+          <a:effectRef idx="0">
+            <a:schemeClr val="accent1"/>
+          </a:effectRef>
+          <a:fontRef idx="minor">
+            <a:schemeClr val="lt1"/>
+          </a:fontRef>
+        </p:style>
+        <p:txBody>
+          <a:bodyPr rtlCol="0" anchor="ctr"/>
+          <a:lstStyle/>
+          <a:p>
+            <a:pPr algn="ctr"/>
+            <a:endParaRPr lang="en-GB" dirty="0"/>
+          </a:p>
+        </p:txBody>
+      </p:sp>
+      <p:pic>
+        <p:nvPicPr>
+          <p:cNvPr id="7" name="Picture 6">
+            <a:extLst>
+              <a:ext uri="{FF2B5EF4-FFF2-40B4-BE49-F238E27FC236}">
+                <a16:creationId xmlns:a16="http://schemas.microsoft.com/office/drawing/2014/main" id="{97654B2C-EBCD-4D13-8CA7-6B856734BC89}"/>
+              </a:ext>
+            </a:extLst>
+          </p:cNvPr>
+          <p:cNvPicPr>
+            <a:picLocks noChangeAspect="1"/>
+          </p:cNvPicPr>
+          <p:nvPr/>
+        </p:nvPicPr>
+        <p:blipFill rotWithShape="1">
+          <a:blip r:embed="rId2">
+            <a:extLst>
+              <a:ext uri="{28A0092B-C50C-407E-A947-70E740481C1C}">
+                <a14:useLocalDpi xmlns:a14="http://schemas.microsoft.com/office/drawing/2010/main" val="0"/>
+              </a:ext>
+            </a:extLst>
+          </a:blip>
+          <a:srcRect/>
+          <a:stretch/>
+        </p:blipFill>
+        <p:spPr>
+          <a:xfrm>
+            <a:off x="5991224" y="4058227"/>
+            <a:ext cx="6042025" cy="2792751"/>
+          </a:xfrm>
+          <a:prstGeom prst="rect">
+            <a:avLst/>
+          </a:prstGeom>
+          <a:ln>
+            <a:solidFill>
+              <a:schemeClr val="accent1"/>
+            </a:solidFill>
+          </a:ln>
+        </p:spPr>
+      </p:pic>
+      <p:sp>
+        <p:nvSpPr>
+          <p:cNvPr id="8" name="Arrow: Left 7">
+            <a:extLst>
+              <a:ext uri="{FF2B5EF4-FFF2-40B4-BE49-F238E27FC236}">
+                <a16:creationId xmlns:a16="http://schemas.microsoft.com/office/drawing/2014/main" id="{B0DE982A-3B66-4EA4-87FD-094C8A14680B}"/>
+              </a:ext>
+            </a:extLst>
+          </p:cNvPr>
+          <p:cNvSpPr/>
+          <p:nvPr/>
+        </p:nvSpPr>
+        <p:spPr>
+          <a:xfrm>
+            <a:off x="5265570" y="5589636"/>
+            <a:ext cx="922421" cy="393219"/>
+          </a:xfrm>
+          <a:prstGeom prst="leftArrow">
+            <a:avLst/>
+          </a:prstGeom>
+        </p:spPr>
+        <p:style>
+          <a:lnRef idx="2">
+            <a:schemeClr val="accent1">
+              <a:shade val="50000"/>
+            </a:schemeClr>
+          </a:lnRef>
+          <a:fillRef idx="1">
+            <a:schemeClr val="accent1"/>
+          </a:fillRef>
+          <a:effectRef idx="0">
+            <a:schemeClr val="accent1"/>
+          </a:effectRef>
+          <a:fontRef idx="minor">
+            <a:schemeClr val="lt1"/>
+          </a:fontRef>
+        </p:style>
+        <p:txBody>
+          <a:bodyPr rtlCol="0" anchor="ctr"/>
+          <a:lstStyle/>
+          <a:p>
+            <a:pPr algn="ctr"/>
+            <a:endParaRPr lang="en-GB"/>
+          </a:p>
+        </p:txBody>
+      </p:sp>
+      <p:sp>
+        <p:nvSpPr>
+          <p:cNvPr id="10" name="Left Bracket 9">
+            <a:extLst>
+              <a:ext uri="{FF2B5EF4-FFF2-40B4-BE49-F238E27FC236}">
+                <a16:creationId xmlns:a16="http://schemas.microsoft.com/office/drawing/2014/main" id="{2B3C0A87-A4DB-4BFE-99FC-6682DD89D412}"/>
+              </a:ext>
+            </a:extLst>
+          </p:cNvPr>
+          <p:cNvSpPr/>
+          <p:nvPr/>
+        </p:nvSpPr>
+        <p:spPr>
+          <a:xfrm>
+            <a:off x="6282892" y="5237744"/>
+            <a:ext cx="45719" cy="1379621"/>
+          </a:xfrm>
+          <a:prstGeom prst="leftBracket">
+            <a:avLst/>
+          </a:prstGeom>
+        </p:spPr>
+        <p:style>
+          <a:lnRef idx="1">
+            <a:schemeClr val="accent1"/>
+          </a:lnRef>
+          <a:fillRef idx="0">
+            <a:schemeClr val="accent1"/>
+          </a:fillRef>
+          <a:effectRef idx="0">
+            <a:schemeClr val="accent1"/>
+          </a:effectRef>
+          <a:fontRef idx="minor">
+            <a:schemeClr val="tx1"/>
+          </a:fontRef>
+        </p:style>
+        <p:txBody>
+          <a:bodyPr rtlCol="0" anchor="ctr"/>
+          <a:lstStyle/>
+          <a:p>
+            <a:pPr algn="ctr"/>
+            <a:endParaRPr lang="en-GB"/>
+          </a:p>
+        </p:txBody>
+      </p:sp>
+      <p:sp>
+        <p:nvSpPr>
+          <p:cNvPr id="11" name="TextBox 10">
+            <a:extLst>
+              <a:ext uri="{FF2B5EF4-FFF2-40B4-BE49-F238E27FC236}">
+                <a16:creationId xmlns:a16="http://schemas.microsoft.com/office/drawing/2014/main" id="{75BBA87C-80DB-4689-9AA7-6F2697CE72B3}"/>
+              </a:ext>
+            </a:extLst>
+          </p:cNvPr>
+          <p:cNvSpPr txBox="1"/>
+          <p:nvPr/>
+        </p:nvSpPr>
+        <p:spPr>
+          <a:xfrm>
+            <a:off x="158750" y="6071937"/>
+            <a:ext cx="4734092" cy="646331"/>
+          </a:xfrm>
+          <a:prstGeom prst="rect">
+            <a:avLst/>
+          </a:prstGeom>
+          <a:noFill/>
+        </p:spPr>
+        <p:txBody>
+          <a:bodyPr wrap="square" rtlCol="0">
+            <a:spAutoFit/>
+          </a:bodyPr>
+          <a:lstStyle/>
+          <a:p>
+            <a:r>
+              <a:rPr lang="en-GB" dirty="0"/>
+              <a:t>*Remember this is an option throughout this course</a:t>
+            </a:r>
+          </a:p>
+        </p:txBody>
+      </p:sp>
     </p:spTree>
     <p:extLst>
       <p:ext uri="{BB962C8B-B14F-4D97-AF65-F5344CB8AC3E}">
-        <p14:creationId xmlns:p14="http://schemas.microsoft.com/office/powerpoint/2010/main" val="4143309356"/>
+        <p14:creationId xmlns:p14="http://schemas.microsoft.com/office/powerpoint/2010/main" val="1791962330"/>
       </p:ext>
     </p:extLst>
   </p:cSld>
@@ -7542,7 +7750,7 @@
         </p:nvSpPr>
         <p:spPr>
           <a:xfrm>
-            <a:off x="371475" y="-217995"/>
+            <a:off x="371475" y="-103695"/>
             <a:ext cx="10515600" cy="1325563"/>
           </a:xfrm>
         </p:spPr>
@@ -7557,7 +7765,23 @@
                   <a:srgbClr val="7030A0"/>
                 </a:solidFill>
               </a:rPr>
-              <a:t>3) Basic UNIX: copy and paste</a:t>
+              <a:t>3) Basic UNIX: </a:t>
+            </a:r>
+            <a:r>
+              <a:rPr lang="en-GB" u="sng" dirty="0">
+                <a:solidFill>
+                  <a:srgbClr val="FF0000"/>
+                </a:solidFill>
+              </a:rPr>
+              <a:t>tab button</a:t>
+            </a:r>
+            <a:r>
+              <a:rPr lang="en-GB" dirty="0">
+                <a:solidFill>
+                  <a:srgbClr val="7030A0"/>
+                </a:solidFill>
+              </a:rPr>
+              <a:t>, auto complete</a:t>
             </a:r>
           </a:p>
         </p:txBody>
@@ -7580,7 +7804,7 @@
         </p:nvSpPr>
         <p:spPr>
           <a:xfrm>
-            <a:off x="158750" y="545620"/>
+            <a:off x="158750" y="659920"/>
             <a:ext cx="10941050" cy="4351338"/>
           </a:xfrm>
         </p:spPr>
@@ -7599,13 +7823,19 @@
           <a:p>
             <a:r>
               <a:rPr lang="en-GB" dirty="0"/>
-              <a:t>Every program is slightly different.</a:t>
-            </a:r>
-          </a:p>
-          <a:p>
-            <a:r>
-              <a:rPr lang="en-GB" dirty="0"/>
-              <a:t>.. But if you </a:t>
+              <a:t>When you start typing the name of a file or folder.</a:t>
+            </a:r>
+          </a:p>
+          <a:p>
+            <a:r>
+              <a:rPr lang="en-GB" dirty="0"/>
+              <a:t>Instead of writing it correctly every time, which no one can do. </a:t>
+            </a:r>
+          </a:p>
+          <a:p>
+            <a:r>
+              <a:rPr lang="en-GB" dirty="0"/>
+              <a:t>Start typing the name and </a:t>
             </a:r>
             <a:r>
               <a:rPr lang="en-GB" dirty="0">
@@ -7613,11 +7843,17 @@
                   <a:srgbClr val="FF0000"/>
                 </a:solidFill>
               </a:rPr>
-              <a:t>highlight it</a:t>
-            </a:r>
-            <a:r>
-              <a:rPr lang="en-GB" dirty="0"/>
-              <a:t>. Then it is automatically </a:t>
+              <a:t>press the tab button</a:t>
+            </a:r>
+            <a:r>
+              <a:rPr lang="en-GB" dirty="0"/>
+              <a:t>. </a:t>
+            </a:r>
+          </a:p>
+          <a:p>
+            <a:r>
+              <a:rPr lang="en-GB" dirty="0"/>
+              <a:t>If it does not </a:t>
             </a:r>
             <a:r>
               <a:rPr lang="en-GB" dirty="0">
@@ -7625,44 +7861,17 @@
                   <a:srgbClr val="FF0000"/>
                 </a:solidFill>
               </a:rPr>
-              <a:t>copied to your clipboard</a:t>
-            </a:r>
-            <a:r>
-              <a:rPr lang="en-GB" dirty="0"/>
-              <a:t>.</a:t>
-            </a:r>
-          </a:p>
-          <a:p>
-            <a:r>
-              <a:rPr lang="en-GB" dirty="0"/>
-              <a:t>This is super useful. </a:t>
-            </a:r>
-          </a:p>
-          <a:p>
-            <a:r>
-              <a:rPr lang="en-GB" dirty="0"/>
-              <a:t>To </a:t>
-            </a:r>
-            <a:r>
-              <a:rPr lang="en-GB" dirty="0">
-                <a:solidFill>
-                  <a:srgbClr val="FF0000"/>
-                </a:solidFill>
-              </a:rPr>
-              <a:t>paste</a:t>
-            </a:r>
-            <a:r>
-              <a:rPr lang="en-GB" dirty="0"/>
-              <a:t> (one of the following): centre mouse button, right click, right click and select paste (depends on the program you are using).</a:t>
-            </a:r>
-          </a:p>
-          <a:p>
-            <a:endParaRPr lang="en-GB" dirty="0"/>
-          </a:p>
-          <a:p>
-            <a:r>
-              <a:rPr lang="en-GB" dirty="0"/>
-              <a:t>Windows command line is horrible for this, and for that reason I would not use it. </a:t>
+              <a:t>auto complete</a:t>
+            </a:r>
+            <a:r>
+              <a:rPr lang="en-GB" dirty="0"/>
+              <a:t>, then the spelling is wrong, it is not in the directory you are looking at, or there are multiple other reasons. </a:t>
+            </a:r>
+          </a:p>
+          <a:p>
+            <a:r>
+              <a:rPr lang="en-GB" dirty="0"/>
+              <a:t>Press the tab key twice to see all the possible options…. </a:t>
             </a:r>
           </a:p>
         </p:txBody>
@@ -7720,7 +7929,7 @@
     </p:spTree>
     <p:extLst>
       <p:ext uri="{BB962C8B-B14F-4D97-AF65-F5344CB8AC3E}">
-        <p14:creationId xmlns:p14="http://schemas.microsoft.com/office/powerpoint/2010/main" val="1856511964"/>
+        <p14:creationId xmlns:p14="http://schemas.microsoft.com/office/powerpoint/2010/main" val="4143309356"/>
       </p:ext>
     </p:extLst>
   </p:cSld>
